--- a/refs/docs/LogParserX-initial Presentation.pptx
+++ b/refs/docs/LogParserX-initial Presentation.pptx
@@ -17,6 +17,8 @@
     <p:sldId id="263" r:id="rId12"/>
     <p:sldId id="264" r:id="rId13"/>
     <p:sldId id="265" r:id="rId14"/>
+    <p:sldId id="266" r:id="rId15"/>
+    <p:sldId id="267" r:id="rId16"/>
   </p:sldIdLst>
   <p:sldSz cx="10080625" cy="5670550"/>
   <p:notesSz cx="7559675" cy="10691812"/>
@@ -86,8 +88,10 @@
             <a:noAutofit/>
           </a:bodyPr>
           <a:p>
-            <a:pPr algn="ctr"/>
-            <a:endParaRPr b="0" lang="en-US" sz="4400" spc="-1" strike="noStrike">
+            <a:endParaRPr b="0" lang="en-US" sz="1800" spc="-1" strike="noStrike">
+              <a:solidFill>
+                <a:srgbClr val="000000"/>
+              </a:solidFill>
               <a:latin typeface="Arial"/>
             </a:endParaRPr>
           </a:p>
@@ -117,7 +121,10 @@
             <a:normAutofit/>
           </a:bodyPr>
           <a:p>
-            <a:endParaRPr b="0" lang="en-US" sz="3200" spc="-1" strike="noStrike">
+            <a:endParaRPr b="0" lang="en-US" sz="2800" spc="-1" strike="noStrike">
+              <a:solidFill>
+                <a:srgbClr val="000000"/>
+              </a:solidFill>
               <a:latin typeface="Arial"/>
             </a:endParaRPr>
           </a:p>
@@ -147,7 +154,10 @@
             <a:normAutofit/>
           </a:bodyPr>
           <a:p>
-            <a:endParaRPr b="0" lang="en-US" sz="3200" spc="-1" strike="noStrike">
+            <a:endParaRPr b="0" lang="en-US" sz="2800" spc="-1" strike="noStrike">
+              <a:solidFill>
+                <a:srgbClr val="000000"/>
+              </a:solidFill>
               <a:latin typeface="Arial"/>
             </a:endParaRPr>
           </a:p>
@@ -199,8 +209,10 @@
             <a:noAutofit/>
           </a:bodyPr>
           <a:p>
-            <a:pPr algn="ctr"/>
-            <a:endParaRPr b="0" lang="en-US" sz="4400" spc="-1" strike="noStrike">
+            <a:endParaRPr b="0" lang="en-US" sz="1800" spc="-1" strike="noStrike">
+              <a:solidFill>
+                <a:srgbClr val="000000"/>
+              </a:solidFill>
               <a:latin typeface="Arial"/>
             </a:endParaRPr>
           </a:p>
@@ -230,7 +242,10 @@
             <a:normAutofit/>
           </a:bodyPr>
           <a:p>
-            <a:endParaRPr b="0" lang="en-US" sz="3200" spc="-1" strike="noStrike">
+            <a:endParaRPr b="0" lang="en-US" sz="2800" spc="-1" strike="noStrike">
+              <a:solidFill>
+                <a:srgbClr val="000000"/>
+              </a:solidFill>
               <a:latin typeface="Arial"/>
             </a:endParaRPr>
           </a:p>
@@ -260,7 +275,10 @@
             <a:normAutofit/>
           </a:bodyPr>
           <a:p>
-            <a:endParaRPr b="0" lang="en-US" sz="3200" spc="-1" strike="noStrike">
+            <a:endParaRPr b="0" lang="en-US" sz="2800" spc="-1" strike="noStrike">
+              <a:solidFill>
+                <a:srgbClr val="000000"/>
+              </a:solidFill>
               <a:latin typeface="Arial"/>
             </a:endParaRPr>
           </a:p>
@@ -290,7 +308,10 @@
             <a:normAutofit/>
           </a:bodyPr>
           <a:p>
-            <a:endParaRPr b="0" lang="en-US" sz="3200" spc="-1" strike="noStrike">
+            <a:endParaRPr b="0" lang="en-US" sz="2800" spc="-1" strike="noStrike">
+              <a:solidFill>
+                <a:srgbClr val="000000"/>
+              </a:solidFill>
               <a:latin typeface="Arial"/>
             </a:endParaRPr>
           </a:p>
@@ -320,7 +341,10 @@
             <a:normAutofit/>
           </a:bodyPr>
           <a:p>
-            <a:endParaRPr b="0" lang="en-US" sz="3200" spc="-1" strike="noStrike">
+            <a:endParaRPr b="0" lang="en-US" sz="2800" spc="-1" strike="noStrike">
+              <a:solidFill>
+                <a:srgbClr val="000000"/>
+              </a:solidFill>
               <a:latin typeface="Arial"/>
             </a:endParaRPr>
           </a:p>
@@ -372,8 +396,10 @@
             <a:noAutofit/>
           </a:bodyPr>
           <a:p>
-            <a:pPr algn="ctr"/>
-            <a:endParaRPr b="0" lang="en-US" sz="4400" spc="-1" strike="noStrike">
+            <a:endParaRPr b="0" lang="en-US" sz="1800" spc="-1" strike="noStrike">
+              <a:solidFill>
+                <a:srgbClr val="000000"/>
+              </a:solidFill>
               <a:latin typeface="Arial"/>
             </a:endParaRPr>
           </a:p>
@@ -403,7 +429,10 @@
             <a:normAutofit/>
           </a:bodyPr>
           <a:p>
-            <a:endParaRPr b="0" lang="en-US" sz="3200" spc="-1" strike="noStrike">
+            <a:endParaRPr b="0" lang="en-US" sz="2800" spc="-1" strike="noStrike">
+              <a:solidFill>
+                <a:srgbClr val="000000"/>
+              </a:solidFill>
               <a:latin typeface="Arial"/>
             </a:endParaRPr>
           </a:p>
@@ -433,7 +462,10 @@
             <a:normAutofit/>
           </a:bodyPr>
           <a:p>
-            <a:endParaRPr b="0" lang="en-US" sz="3200" spc="-1" strike="noStrike">
+            <a:endParaRPr b="0" lang="en-US" sz="2800" spc="-1" strike="noStrike">
+              <a:solidFill>
+                <a:srgbClr val="000000"/>
+              </a:solidFill>
               <a:latin typeface="Arial"/>
             </a:endParaRPr>
           </a:p>
@@ -463,7 +495,10 @@
             <a:normAutofit/>
           </a:bodyPr>
           <a:p>
-            <a:endParaRPr b="0" lang="en-US" sz="3200" spc="-1" strike="noStrike">
+            <a:endParaRPr b="0" lang="en-US" sz="2800" spc="-1" strike="noStrike">
+              <a:solidFill>
+                <a:srgbClr val="000000"/>
+              </a:solidFill>
               <a:latin typeface="Arial"/>
             </a:endParaRPr>
           </a:p>
@@ -493,7 +528,10 @@
             <a:normAutofit/>
           </a:bodyPr>
           <a:p>
-            <a:endParaRPr b="0" lang="en-US" sz="3200" spc="-1" strike="noStrike">
+            <a:endParaRPr b="0" lang="en-US" sz="2800" spc="-1" strike="noStrike">
+              <a:solidFill>
+                <a:srgbClr val="000000"/>
+              </a:solidFill>
               <a:latin typeface="Arial"/>
             </a:endParaRPr>
           </a:p>
@@ -523,7 +561,10 @@
             <a:normAutofit/>
           </a:bodyPr>
           <a:p>
-            <a:endParaRPr b="0" lang="en-US" sz="3200" spc="-1" strike="noStrike">
+            <a:endParaRPr b="0" lang="en-US" sz="2800" spc="-1" strike="noStrike">
+              <a:solidFill>
+                <a:srgbClr val="000000"/>
+              </a:solidFill>
               <a:latin typeface="Arial"/>
             </a:endParaRPr>
           </a:p>
@@ -553,7 +594,10 @@
             <a:normAutofit/>
           </a:bodyPr>
           <a:p>
-            <a:endParaRPr b="0" lang="en-US" sz="3200" spc="-1" strike="noStrike">
+            <a:endParaRPr b="0" lang="en-US" sz="2800" spc="-1" strike="noStrike">
+              <a:solidFill>
+                <a:srgbClr val="000000"/>
+              </a:solidFill>
               <a:latin typeface="Arial"/>
             </a:endParaRPr>
           </a:p>
@@ -627,8 +671,10 @@
             <a:noAutofit/>
           </a:bodyPr>
           <a:p>
-            <a:pPr algn="ctr"/>
-            <a:endParaRPr b="0" lang="en-US" sz="4400" spc="-1" strike="noStrike">
+            <a:endParaRPr b="0" lang="en-US" sz="1800" spc="-1" strike="noStrike">
+              <a:solidFill>
+                <a:srgbClr val="000000"/>
+              </a:solidFill>
               <a:latin typeface="Arial"/>
             </a:endParaRPr>
           </a:p>
@@ -711,8 +757,10 @@
             <a:noAutofit/>
           </a:bodyPr>
           <a:p>
-            <a:pPr algn="ctr"/>
-            <a:endParaRPr b="0" lang="en-US" sz="4400" spc="-1" strike="noStrike">
+            <a:endParaRPr b="0" lang="en-US" sz="1800" spc="-1" strike="noStrike">
+              <a:solidFill>
+                <a:srgbClr val="000000"/>
+              </a:solidFill>
               <a:latin typeface="Arial"/>
             </a:endParaRPr>
           </a:p>
@@ -742,7 +790,10 @@
             <a:normAutofit/>
           </a:bodyPr>
           <a:p>
-            <a:endParaRPr b="0" lang="en-US" sz="3200" spc="-1" strike="noStrike">
+            <a:endParaRPr b="0" lang="en-US" sz="2800" spc="-1" strike="noStrike">
+              <a:solidFill>
+                <a:srgbClr val="000000"/>
+              </a:solidFill>
               <a:latin typeface="Arial"/>
             </a:endParaRPr>
           </a:p>
@@ -794,8 +845,10 @@
             <a:noAutofit/>
           </a:bodyPr>
           <a:p>
-            <a:pPr algn="ctr"/>
-            <a:endParaRPr b="0" lang="en-US" sz="4400" spc="-1" strike="noStrike">
+            <a:endParaRPr b="0" lang="en-US" sz="1800" spc="-1" strike="noStrike">
+              <a:solidFill>
+                <a:srgbClr val="000000"/>
+              </a:solidFill>
               <a:latin typeface="Arial"/>
             </a:endParaRPr>
           </a:p>
@@ -825,7 +878,10 @@
             <a:normAutofit/>
           </a:bodyPr>
           <a:p>
-            <a:endParaRPr b="0" lang="en-US" sz="3200" spc="-1" strike="noStrike">
+            <a:endParaRPr b="0" lang="en-US" sz="2800" spc="-1" strike="noStrike">
+              <a:solidFill>
+                <a:srgbClr val="000000"/>
+              </a:solidFill>
               <a:latin typeface="Arial"/>
             </a:endParaRPr>
           </a:p>
@@ -855,7 +911,10 @@
             <a:normAutofit/>
           </a:bodyPr>
           <a:p>
-            <a:endParaRPr b="0" lang="en-US" sz="3200" spc="-1" strike="noStrike">
+            <a:endParaRPr b="0" lang="en-US" sz="2800" spc="-1" strike="noStrike">
+              <a:solidFill>
+                <a:srgbClr val="000000"/>
+              </a:solidFill>
               <a:latin typeface="Arial"/>
             </a:endParaRPr>
           </a:p>
@@ -907,8 +966,10 @@
             <a:noAutofit/>
           </a:bodyPr>
           <a:p>
-            <a:pPr algn="ctr"/>
-            <a:endParaRPr b="0" lang="en-US" sz="4400" spc="-1" strike="noStrike">
+            <a:endParaRPr b="0" lang="en-US" sz="1800" spc="-1" strike="noStrike">
+              <a:solidFill>
+                <a:srgbClr val="000000"/>
+              </a:solidFill>
               <a:latin typeface="Arial"/>
             </a:endParaRPr>
           </a:p>
@@ -1013,8 +1074,10 @@
             <a:noAutofit/>
           </a:bodyPr>
           <a:p>
-            <a:pPr algn="ctr"/>
-            <a:endParaRPr b="0" lang="en-US" sz="4400" spc="-1" strike="noStrike">
+            <a:endParaRPr b="0" lang="en-US" sz="1800" spc="-1" strike="noStrike">
+              <a:solidFill>
+                <a:srgbClr val="000000"/>
+              </a:solidFill>
               <a:latin typeface="Arial"/>
             </a:endParaRPr>
           </a:p>
@@ -1044,7 +1107,10 @@
             <a:normAutofit/>
           </a:bodyPr>
           <a:p>
-            <a:endParaRPr b="0" lang="en-US" sz="3200" spc="-1" strike="noStrike">
+            <a:endParaRPr b="0" lang="en-US" sz="2800" spc="-1" strike="noStrike">
+              <a:solidFill>
+                <a:srgbClr val="000000"/>
+              </a:solidFill>
               <a:latin typeface="Arial"/>
             </a:endParaRPr>
           </a:p>
@@ -1074,7 +1140,10 @@
             <a:normAutofit/>
           </a:bodyPr>
           <a:p>
-            <a:endParaRPr b="0" lang="en-US" sz="3200" spc="-1" strike="noStrike">
+            <a:endParaRPr b="0" lang="en-US" sz="2800" spc="-1" strike="noStrike">
+              <a:solidFill>
+                <a:srgbClr val="000000"/>
+              </a:solidFill>
               <a:latin typeface="Arial"/>
             </a:endParaRPr>
           </a:p>
@@ -1104,7 +1173,10 @@
             <a:normAutofit/>
           </a:bodyPr>
           <a:p>
-            <a:endParaRPr b="0" lang="en-US" sz="3200" spc="-1" strike="noStrike">
+            <a:endParaRPr b="0" lang="en-US" sz="2800" spc="-1" strike="noStrike">
+              <a:solidFill>
+                <a:srgbClr val="000000"/>
+              </a:solidFill>
               <a:latin typeface="Arial"/>
             </a:endParaRPr>
           </a:p>
@@ -1156,8 +1228,10 @@
             <a:noAutofit/>
           </a:bodyPr>
           <a:p>
-            <a:pPr algn="ctr"/>
-            <a:endParaRPr b="0" lang="en-US" sz="4400" spc="-1" strike="noStrike">
+            <a:endParaRPr b="0" lang="en-US" sz="1800" spc="-1" strike="noStrike">
+              <a:solidFill>
+                <a:srgbClr val="000000"/>
+              </a:solidFill>
               <a:latin typeface="Arial"/>
             </a:endParaRPr>
           </a:p>
@@ -1240,8 +1314,10 @@
             <a:noAutofit/>
           </a:bodyPr>
           <a:p>
-            <a:pPr algn="ctr"/>
-            <a:endParaRPr b="0" lang="en-US" sz="4400" spc="-1" strike="noStrike">
+            <a:endParaRPr b="0" lang="en-US" sz="1800" spc="-1" strike="noStrike">
+              <a:solidFill>
+                <a:srgbClr val="000000"/>
+              </a:solidFill>
               <a:latin typeface="Arial"/>
             </a:endParaRPr>
           </a:p>
@@ -1271,7 +1347,10 @@
             <a:normAutofit/>
           </a:bodyPr>
           <a:p>
-            <a:endParaRPr b="0" lang="en-US" sz="3200" spc="-1" strike="noStrike">
+            <a:endParaRPr b="0" lang="en-US" sz="2800" spc="-1" strike="noStrike">
+              <a:solidFill>
+                <a:srgbClr val="000000"/>
+              </a:solidFill>
               <a:latin typeface="Arial"/>
             </a:endParaRPr>
           </a:p>
@@ -1301,7 +1380,10 @@
             <a:normAutofit/>
           </a:bodyPr>
           <a:p>
-            <a:endParaRPr b="0" lang="en-US" sz="3200" spc="-1" strike="noStrike">
+            <a:endParaRPr b="0" lang="en-US" sz="2800" spc="-1" strike="noStrike">
+              <a:solidFill>
+                <a:srgbClr val="000000"/>
+              </a:solidFill>
               <a:latin typeface="Arial"/>
             </a:endParaRPr>
           </a:p>
@@ -1331,7 +1413,10 @@
             <a:normAutofit/>
           </a:bodyPr>
           <a:p>
-            <a:endParaRPr b="0" lang="en-US" sz="3200" spc="-1" strike="noStrike">
+            <a:endParaRPr b="0" lang="en-US" sz="2800" spc="-1" strike="noStrike">
+              <a:solidFill>
+                <a:srgbClr val="000000"/>
+              </a:solidFill>
               <a:latin typeface="Arial"/>
             </a:endParaRPr>
           </a:p>
@@ -1383,8 +1468,10 @@
             <a:noAutofit/>
           </a:bodyPr>
           <a:p>
-            <a:pPr algn="ctr"/>
-            <a:endParaRPr b="0" lang="en-US" sz="4400" spc="-1" strike="noStrike">
+            <a:endParaRPr b="0" lang="en-US" sz="1800" spc="-1" strike="noStrike">
+              <a:solidFill>
+                <a:srgbClr val="000000"/>
+              </a:solidFill>
               <a:latin typeface="Arial"/>
             </a:endParaRPr>
           </a:p>
@@ -1414,7 +1501,10 @@
             <a:normAutofit/>
           </a:bodyPr>
           <a:p>
-            <a:endParaRPr b="0" lang="en-US" sz="3200" spc="-1" strike="noStrike">
+            <a:endParaRPr b="0" lang="en-US" sz="2800" spc="-1" strike="noStrike">
+              <a:solidFill>
+                <a:srgbClr val="000000"/>
+              </a:solidFill>
               <a:latin typeface="Arial"/>
             </a:endParaRPr>
           </a:p>
@@ -1444,7 +1534,10 @@
             <a:normAutofit/>
           </a:bodyPr>
           <a:p>
-            <a:endParaRPr b="0" lang="en-US" sz="3200" spc="-1" strike="noStrike">
+            <a:endParaRPr b="0" lang="en-US" sz="2800" spc="-1" strike="noStrike">
+              <a:solidFill>
+                <a:srgbClr val="000000"/>
+              </a:solidFill>
               <a:latin typeface="Arial"/>
             </a:endParaRPr>
           </a:p>
@@ -1474,7 +1567,10 @@
             <a:normAutofit/>
           </a:bodyPr>
           <a:p>
-            <a:endParaRPr b="0" lang="en-US" sz="3200" spc="-1" strike="noStrike">
+            <a:endParaRPr b="0" lang="en-US" sz="2800" spc="-1" strike="noStrike">
+              <a:solidFill>
+                <a:srgbClr val="000000"/>
+              </a:solidFill>
               <a:latin typeface="Arial"/>
             </a:endParaRPr>
           </a:p>
@@ -1526,8 +1622,10 @@
             <a:noAutofit/>
           </a:bodyPr>
           <a:p>
-            <a:pPr algn="ctr"/>
-            <a:endParaRPr b="0" lang="en-US" sz="4400" spc="-1" strike="noStrike">
+            <a:endParaRPr b="0" lang="en-US" sz="1800" spc="-1" strike="noStrike">
+              <a:solidFill>
+                <a:srgbClr val="000000"/>
+              </a:solidFill>
               <a:latin typeface="Arial"/>
             </a:endParaRPr>
           </a:p>
@@ -1557,7 +1655,10 @@
             <a:normAutofit/>
           </a:bodyPr>
           <a:p>
-            <a:endParaRPr b="0" lang="en-US" sz="3200" spc="-1" strike="noStrike">
+            <a:endParaRPr b="0" lang="en-US" sz="2800" spc="-1" strike="noStrike">
+              <a:solidFill>
+                <a:srgbClr val="000000"/>
+              </a:solidFill>
               <a:latin typeface="Arial"/>
             </a:endParaRPr>
           </a:p>
@@ -1587,7 +1688,10 @@
             <a:normAutofit/>
           </a:bodyPr>
           <a:p>
-            <a:endParaRPr b="0" lang="en-US" sz="3200" spc="-1" strike="noStrike">
+            <a:endParaRPr b="0" lang="en-US" sz="2800" spc="-1" strike="noStrike">
+              <a:solidFill>
+                <a:srgbClr val="000000"/>
+              </a:solidFill>
               <a:latin typeface="Arial"/>
             </a:endParaRPr>
           </a:p>
@@ -1639,8 +1743,10 @@
             <a:noAutofit/>
           </a:bodyPr>
           <a:p>
-            <a:pPr algn="ctr"/>
-            <a:endParaRPr b="0" lang="en-US" sz="4400" spc="-1" strike="noStrike">
+            <a:endParaRPr b="0" lang="en-US" sz="1800" spc="-1" strike="noStrike">
+              <a:solidFill>
+                <a:srgbClr val="000000"/>
+              </a:solidFill>
               <a:latin typeface="Arial"/>
             </a:endParaRPr>
           </a:p>
@@ -1670,7 +1776,10 @@
             <a:normAutofit/>
           </a:bodyPr>
           <a:p>
-            <a:endParaRPr b="0" lang="en-US" sz="3200" spc="-1" strike="noStrike">
+            <a:endParaRPr b="0" lang="en-US" sz="2800" spc="-1" strike="noStrike">
+              <a:solidFill>
+                <a:srgbClr val="000000"/>
+              </a:solidFill>
               <a:latin typeface="Arial"/>
             </a:endParaRPr>
           </a:p>
@@ -1700,7 +1809,10 @@
             <a:normAutofit/>
           </a:bodyPr>
           <a:p>
-            <a:endParaRPr b="0" lang="en-US" sz="3200" spc="-1" strike="noStrike">
+            <a:endParaRPr b="0" lang="en-US" sz="2800" spc="-1" strike="noStrike">
+              <a:solidFill>
+                <a:srgbClr val="000000"/>
+              </a:solidFill>
               <a:latin typeface="Arial"/>
             </a:endParaRPr>
           </a:p>
@@ -1730,7 +1842,10 @@
             <a:normAutofit/>
           </a:bodyPr>
           <a:p>
-            <a:endParaRPr b="0" lang="en-US" sz="3200" spc="-1" strike="noStrike">
+            <a:endParaRPr b="0" lang="en-US" sz="2800" spc="-1" strike="noStrike">
+              <a:solidFill>
+                <a:srgbClr val="000000"/>
+              </a:solidFill>
               <a:latin typeface="Arial"/>
             </a:endParaRPr>
           </a:p>
@@ -1760,7 +1875,10 @@
             <a:normAutofit/>
           </a:bodyPr>
           <a:p>
-            <a:endParaRPr b="0" lang="en-US" sz="3200" spc="-1" strike="noStrike">
+            <a:endParaRPr b="0" lang="en-US" sz="2800" spc="-1" strike="noStrike">
+              <a:solidFill>
+                <a:srgbClr val="000000"/>
+              </a:solidFill>
               <a:latin typeface="Arial"/>
             </a:endParaRPr>
           </a:p>
@@ -1812,8 +1930,10 @@
             <a:noAutofit/>
           </a:bodyPr>
           <a:p>
-            <a:pPr algn="ctr"/>
-            <a:endParaRPr b="0" lang="en-US" sz="4400" spc="-1" strike="noStrike">
+            <a:endParaRPr b="0" lang="en-US" sz="1800" spc="-1" strike="noStrike">
+              <a:solidFill>
+                <a:srgbClr val="000000"/>
+              </a:solidFill>
               <a:latin typeface="Arial"/>
             </a:endParaRPr>
           </a:p>
@@ -1843,7 +1963,10 @@
             <a:normAutofit/>
           </a:bodyPr>
           <a:p>
-            <a:endParaRPr b="0" lang="en-US" sz="3200" spc="-1" strike="noStrike">
+            <a:endParaRPr b="0" lang="en-US" sz="2800" spc="-1" strike="noStrike">
+              <a:solidFill>
+                <a:srgbClr val="000000"/>
+              </a:solidFill>
               <a:latin typeface="Arial"/>
             </a:endParaRPr>
           </a:p>
@@ -1873,7 +1996,10 @@
             <a:normAutofit/>
           </a:bodyPr>
           <a:p>
-            <a:endParaRPr b="0" lang="en-US" sz="3200" spc="-1" strike="noStrike">
+            <a:endParaRPr b="0" lang="en-US" sz="2800" spc="-1" strike="noStrike">
+              <a:solidFill>
+                <a:srgbClr val="000000"/>
+              </a:solidFill>
               <a:latin typeface="Arial"/>
             </a:endParaRPr>
           </a:p>
@@ -1903,7 +2029,10 @@
             <a:normAutofit/>
           </a:bodyPr>
           <a:p>
-            <a:endParaRPr b="0" lang="en-US" sz="3200" spc="-1" strike="noStrike">
+            <a:endParaRPr b="0" lang="en-US" sz="2800" spc="-1" strike="noStrike">
+              <a:solidFill>
+                <a:srgbClr val="000000"/>
+              </a:solidFill>
               <a:latin typeface="Arial"/>
             </a:endParaRPr>
           </a:p>
@@ -1933,7 +2062,10 @@
             <a:normAutofit/>
           </a:bodyPr>
           <a:p>
-            <a:endParaRPr b="0" lang="en-US" sz="3200" spc="-1" strike="noStrike">
+            <a:endParaRPr b="0" lang="en-US" sz="2800" spc="-1" strike="noStrike">
+              <a:solidFill>
+                <a:srgbClr val="000000"/>
+              </a:solidFill>
               <a:latin typeface="Arial"/>
             </a:endParaRPr>
           </a:p>
@@ -1963,7 +2095,10 @@
             <a:normAutofit/>
           </a:bodyPr>
           <a:p>
-            <a:endParaRPr b="0" lang="en-US" sz="3200" spc="-1" strike="noStrike">
+            <a:endParaRPr b="0" lang="en-US" sz="2800" spc="-1" strike="noStrike">
+              <a:solidFill>
+                <a:srgbClr val="000000"/>
+              </a:solidFill>
               <a:latin typeface="Arial"/>
             </a:endParaRPr>
           </a:p>
@@ -1993,7 +2128,10 @@
             <a:normAutofit/>
           </a:bodyPr>
           <a:p>
-            <a:endParaRPr b="0" lang="en-US" sz="3200" spc="-1" strike="noStrike">
+            <a:endParaRPr b="0" lang="en-US" sz="2800" spc="-1" strike="noStrike">
+              <a:solidFill>
+                <a:srgbClr val="000000"/>
+              </a:solidFill>
               <a:latin typeface="Arial"/>
             </a:endParaRPr>
           </a:p>
@@ -2067,8 +2205,10 @@
             <a:noAutofit/>
           </a:bodyPr>
           <a:p>
-            <a:pPr algn="ctr"/>
-            <a:endParaRPr b="0" lang="en-US" sz="4400" spc="-1" strike="noStrike">
+            <a:endParaRPr b="0" lang="en-US" sz="1800" spc="-1" strike="noStrike">
+              <a:solidFill>
+                <a:srgbClr val="000000"/>
+              </a:solidFill>
               <a:latin typeface="Arial"/>
             </a:endParaRPr>
           </a:p>
@@ -2151,8 +2291,10 @@
             <a:noAutofit/>
           </a:bodyPr>
           <a:p>
-            <a:pPr algn="ctr"/>
-            <a:endParaRPr b="0" lang="en-US" sz="4400" spc="-1" strike="noStrike">
+            <a:endParaRPr b="0" lang="en-US" sz="1800" spc="-1" strike="noStrike">
+              <a:solidFill>
+                <a:srgbClr val="000000"/>
+              </a:solidFill>
               <a:latin typeface="Arial"/>
             </a:endParaRPr>
           </a:p>
@@ -2182,7 +2324,10 @@
             <a:normAutofit/>
           </a:bodyPr>
           <a:p>
-            <a:endParaRPr b="0" lang="en-US" sz="3200" spc="-1" strike="noStrike">
+            <a:endParaRPr b="0" lang="en-US" sz="2800" spc="-1" strike="noStrike">
+              <a:solidFill>
+                <a:srgbClr val="000000"/>
+              </a:solidFill>
               <a:latin typeface="Arial"/>
             </a:endParaRPr>
           </a:p>
@@ -2234,8 +2379,10 @@
             <a:noAutofit/>
           </a:bodyPr>
           <a:p>
-            <a:pPr algn="ctr"/>
-            <a:endParaRPr b="0" lang="en-US" sz="4400" spc="-1" strike="noStrike">
+            <a:endParaRPr b="0" lang="en-US" sz="1800" spc="-1" strike="noStrike">
+              <a:solidFill>
+                <a:srgbClr val="000000"/>
+              </a:solidFill>
               <a:latin typeface="Arial"/>
             </a:endParaRPr>
           </a:p>
@@ -2265,7 +2412,10 @@
             <a:normAutofit/>
           </a:bodyPr>
           <a:p>
-            <a:endParaRPr b="0" lang="en-US" sz="3200" spc="-1" strike="noStrike">
+            <a:endParaRPr b="0" lang="en-US" sz="2800" spc="-1" strike="noStrike">
+              <a:solidFill>
+                <a:srgbClr val="000000"/>
+              </a:solidFill>
               <a:latin typeface="Arial"/>
             </a:endParaRPr>
           </a:p>
@@ -2295,7 +2445,10 @@
             <a:normAutofit/>
           </a:bodyPr>
           <a:p>
-            <a:endParaRPr b="0" lang="en-US" sz="3200" spc="-1" strike="noStrike">
+            <a:endParaRPr b="0" lang="en-US" sz="2800" spc="-1" strike="noStrike">
+              <a:solidFill>
+                <a:srgbClr val="000000"/>
+              </a:solidFill>
               <a:latin typeface="Arial"/>
             </a:endParaRPr>
           </a:p>
@@ -2347,8 +2500,10 @@
             <a:noAutofit/>
           </a:bodyPr>
           <a:p>
-            <a:pPr algn="ctr"/>
-            <a:endParaRPr b="0" lang="en-US" sz="4400" spc="-1" strike="noStrike">
+            <a:endParaRPr b="0" lang="en-US" sz="1800" spc="-1" strike="noStrike">
+              <a:solidFill>
+                <a:srgbClr val="000000"/>
+              </a:solidFill>
               <a:latin typeface="Arial"/>
             </a:endParaRPr>
           </a:p>
@@ -2400,8 +2555,10 @@
             <a:noAutofit/>
           </a:bodyPr>
           <a:p>
-            <a:pPr algn="ctr"/>
-            <a:endParaRPr b="0" lang="en-US" sz="4400" spc="-1" strike="noStrike">
+            <a:endParaRPr b="0" lang="en-US" sz="1800" spc="-1" strike="noStrike">
+              <a:solidFill>
+                <a:srgbClr val="000000"/>
+              </a:solidFill>
               <a:latin typeface="Arial"/>
             </a:endParaRPr>
           </a:p>
@@ -2431,7 +2588,10 @@
             <a:normAutofit/>
           </a:bodyPr>
           <a:p>
-            <a:endParaRPr b="0" lang="en-US" sz="3200" spc="-1" strike="noStrike">
+            <a:endParaRPr b="0" lang="en-US" sz="2800" spc="-1" strike="noStrike">
+              <a:solidFill>
+                <a:srgbClr val="000000"/>
+              </a:solidFill>
               <a:latin typeface="Arial"/>
             </a:endParaRPr>
           </a:p>
@@ -2536,8 +2696,10 @@
             <a:noAutofit/>
           </a:bodyPr>
           <a:p>
-            <a:pPr algn="ctr"/>
-            <a:endParaRPr b="0" lang="en-US" sz="4400" spc="-1" strike="noStrike">
+            <a:endParaRPr b="0" lang="en-US" sz="1800" spc="-1" strike="noStrike">
+              <a:solidFill>
+                <a:srgbClr val="000000"/>
+              </a:solidFill>
               <a:latin typeface="Arial"/>
             </a:endParaRPr>
           </a:p>
@@ -2567,7 +2729,10 @@
             <a:normAutofit/>
           </a:bodyPr>
           <a:p>
-            <a:endParaRPr b="0" lang="en-US" sz="3200" spc="-1" strike="noStrike">
+            <a:endParaRPr b="0" lang="en-US" sz="2800" spc="-1" strike="noStrike">
+              <a:solidFill>
+                <a:srgbClr val="000000"/>
+              </a:solidFill>
               <a:latin typeface="Arial"/>
             </a:endParaRPr>
           </a:p>
@@ -2597,7 +2762,10 @@
             <a:normAutofit/>
           </a:bodyPr>
           <a:p>
-            <a:endParaRPr b="0" lang="en-US" sz="3200" spc="-1" strike="noStrike">
+            <a:endParaRPr b="0" lang="en-US" sz="2800" spc="-1" strike="noStrike">
+              <a:solidFill>
+                <a:srgbClr val="000000"/>
+              </a:solidFill>
               <a:latin typeface="Arial"/>
             </a:endParaRPr>
           </a:p>
@@ -2627,7 +2795,10 @@
             <a:normAutofit/>
           </a:bodyPr>
           <a:p>
-            <a:endParaRPr b="0" lang="en-US" sz="3200" spc="-1" strike="noStrike">
+            <a:endParaRPr b="0" lang="en-US" sz="2800" spc="-1" strike="noStrike">
+              <a:solidFill>
+                <a:srgbClr val="000000"/>
+              </a:solidFill>
               <a:latin typeface="Arial"/>
             </a:endParaRPr>
           </a:p>
@@ -2679,8 +2850,10 @@
             <a:noAutofit/>
           </a:bodyPr>
           <a:p>
-            <a:pPr algn="ctr"/>
-            <a:endParaRPr b="0" lang="en-US" sz="4400" spc="-1" strike="noStrike">
+            <a:endParaRPr b="0" lang="en-US" sz="1800" spc="-1" strike="noStrike">
+              <a:solidFill>
+                <a:srgbClr val="000000"/>
+              </a:solidFill>
               <a:latin typeface="Arial"/>
             </a:endParaRPr>
           </a:p>
@@ -2710,7 +2883,10 @@
             <a:normAutofit/>
           </a:bodyPr>
           <a:p>
-            <a:endParaRPr b="0" lang="en-US" sz="3200" spc="-1" strike="noStrike">
+            <a:endParaRPr b="0" lang="en-US" sz="2800" spc="-1" strike="noStrike">
+              <a:solidFill>
+                <a:srgbClr val="000000"/>
+              </a:solidFill>
               <a:latin typeface="Arial"/>
             </a:endParaRPr>
           </a:p>
@@ -2740,7 +2916,10 @@
             <a:normAutofit/>
           </a:bodyPr>
           <a:p>
-            <a:endParaRPr b="0" lang="en-US" sz="3200" spc="-1" strike="noStrike">
+            <a:endParaRPr b="0" lang="en-US" sz="2800" spc="-1" strike="noStrike">
+              <a:solidFill>
+                <a:srgbClr val="000000"/>
+              </a:solidFill>
               <a:latin typeface="Arial"/>
             </a:endParaRPr>
           </a:p>
@@ -2770,7 +2949,10 @@
             <a:normAutofit/>
           </a:bodyPr>
           <a:p>
-            <a:endParaRPr b="0" lang="en-US" sz="3200" spc="-1" strike="noStrike">
+            <a:endParaRPr b="0" lang="en-US" sz="2800" spc="-1" strike="noStrike">
+              <a:solidFill>
+                <a:srgbClr val="000000"/>
+              </a:solidFill>
               <a:latin typeface="Arial"/>
             </a:endParaRPr>
           </a:p>
@@ -2822,8 +3004,10 @@
             <a:noAutofit/>
           </a:bodyPr>
           <a:p>
-            <a:pPr algn="ctr"/>
-            <a:endParaRPr b="0" lang="en-US" sz="4400" spc="-1" strike="noStrike">
+            <a:endParaRPr b="0" lang="en-US" sz="1800" spc="-1" strike="noStrike">
+              <a:solidFill>
+                <a:srgbClr val="000000"/>
+              </a:solidFill>
               <a:latin typeface="Arial"/>
             </a:endParaRPr>
           </a:p>
@@ -2853,7 +3037,10 @@
             <a:normAutofit/>
           </a:bodyPr>
           <a:p>
-            <a:endParaRPr b="0" lang="en-US" sz="3200" spc="-1" strike="noStrike">
+            <a:endParaRPr b="0" lang="en-US" sz="2800" spc="-1" strike="noStrike">
+              <a:solidFill>
+                <a:srgbClr val="000000"/>
+              </a:solidFill>
               <a:latin typeface="Arial"/>
             </a:endParaRPr>
           </a:p>
@@ -2883,7 +3070,10 @@
             <a:normAutofit/>
           </a:bodyPr>
           <a:p>
-            <a:endParaRPr b="0" lang="en-US" sz="3200" spc="-1" strike="noStrike">
+            <a:endParaRPr b="0" lang="en-US" sz="2800" spc="-1" strike="noStrike">
+              <a:solidFill>
+                <a:srgbClr val="000000"/>
+              </a:solidFill>
               <a:latin typeface="Arial"/>
             </a:endParaRPr>
           </a:p>
@@ -2913,7 +3103,10 @@
             <a:normAutofit/>
           </a:bodyPr>
           <a:p>
-            <a:endParaRPr b="0" lang="en-US" sz="3200" spc="-1" strike="noStrike">
+            <a:endParaRPr b="0" lang="en-US" sz="2800" spc="-1" strike="noStrike">
+              <a:solidFill>
+                <a:srgbClr val="000000"/>
+              </a:solidFill>
               <a:latin typeface="Arial"/>
             </a:endParaRPr>
           </a:p>
@@ -2965,8 +3158,10 @@
             <a:noAutofit/>
           </a:bodyPr>
           <a:p>
-            <a:pPr algn="ctr"/>
-            <a:endParaRPr b="0" lang="en-US" sz="4400" spc="-1" strike="noStrike">
+            <a:endParaRPr b="0" lang="en-US" sz="1800" spc="-1" strike="noStrike">
+              <a:solidFill>
+                <a:srgbClr val="000000"/>
+              </a:solidFill>
               <a:latin typeface="Arial"/>
             </a:endParaRPr>
           </a:p>
@@ -2996,7 +3191,10 @@
             <a:normAutofit/>
           </a:bodyPr>
           <a:p>
-            <a:endParaRPr b="0" lang="en-US" sz="3200" spc="-1" strike="noStrike">
+            <a:endParaRPr b="0" lang="en-US" sz="2800" spc="-1" strike="noStrike">
+              <a:solidFill>
+                <a:srgbClr val="000000"/>
+              </a:solidFill>
               <a:latin typeface="Arial"/>
             </a:endParaRPr>
           </a:p>
@@ -3026,7 +3224,10 @@
             <a:normAutofit/>
           </a:bodyPr>
           <a:p>
-            <a:endParaRPr b="0" lang="en-US" sz="3200" spc="-1" strike="noStrike">
+            <a:endParaRPr b="0" lang="en-US" sz="2800" spc="-1" strike="noStrike">
+              <a:solidFill>
+                <a:srgbClr val="000000"/>
+              </a:solidFill>
               <a:latin typeface="Arial"/>
             </a:endParaRPr>
           </a:p>
@@ -3078,8 +3279,10 @@
             <a:noAutofit/>
           </a:bodyPr>
           <a:p>
-            <a:pPr algn="ctr"/>
-            <a:endParaRPr b="0" lang="en-US" sz="4400" spc="-1" strike="noStrike">
+            <a:endParaRPr b="0" lang="en-US" sz="1800" spc="-1" strike="noStrike">
+              <a:solidFill>
+                <a:srgbClr val="000000"/>
+              </a:solidFill>
               <a:latin typeface="Arial"/>
             </a:endParaRPr>
           </a:p>
@@ -3109,7 +3312,10 @@
             <a:normAutofit/>
           </a:bodyPr>
           <a:p>
-            <a:endParaRPr b="0" lang="en-US" sz="3200" spc="-1" strike="noStrike">
+            <a:endParaRPr b="0" lang="en-US" sz="2800" spc="-1" strike="noStrike">
+              <a:solidFill>
+                <a:srgbClr val="000000"/>
+              </a:solidFill>
               <a:latin typeface="Arial"/>
             </a:endParaRPr>
           </a:p>
@@ -3139,7 +3345,10 @@
             <a:normAutofit/>
           </a:bodyPr>
           <a:p>
-            <a:endParaRPr b="0" lang="en-US" sz="3200" spc="-1" strike="noStrike">
+            <a:endParaRPr b="0" lang="en-US" sz="2800" spc="-1" strike="noStrike">
+              <a:solidFill>
+                <a:srgbClr val="000000"/>
+              </a:solidFill>
               <a:latin typeface="Arial"/>
             </a:endParaRPr>
           </a:p>
@@ -3169,7 +3378,10 @@
             <a:normAutofit/>
           </a:bodyPr>
           <a:p>
-            <a:endParaRPr b="0" lang="en-US" sz="3200" spc="-1" strike="noStrike">
+            <a:endParaRPr b="0" lang="en-US" sz="2800" spc="-1" strike="noStrike">
+              <a:solidFill>
+                <a:srgbClr val="000000"/>
+              </a:solidFill>
               <a:latin typeface="Arial"/>
             </a:endParaRPr>
           </a:p>
@@ -3199,7 +3411,10 @@
             <a:normAutofit/>
           </a:bodyPr>
           <a:p>
-            <a:endParaRPr b="0" lang="en-US" sz="3200" spc="-1" strike="noStrike">
+            <a:endParaRPr b="0" lang="en-US" sz="2800" spc="-1" strike="noStrike">
+              <a:solidFill>
+                <a:srgbClr val="000000"/>
+              </a:solidFill>
               <a:latin typeface="Arial"/>
             </a:endParaRPr>
           </a:p>
@@ -3251,8 +3466,10 @@
             <a:noAutofit/>
           </a:bodyPr>
           <a:p>
-            <a:pPr algn="ctr"/>
-            <a:endParaRPr b="0" lang="en-US" sz="4400" spc="-1" strike="noStrike">
+            <a:endParaRPr b="0" lang="en-US" sz="1800" spc="-1" strike="noStrike">
+              <a:solidFill>
+                <a:srgbClr val="000000"/>
+              </a:solidFill>
               <a:latin typeface="Arial"/>
             </a:endParaRPr>
           </a:p>
@@ -3282,7 +3499,10 @@
             <a:normAutofit/>
           </a:bodyPr>
           <a:p>
-            <a:endParaRPr b="0" lang="en-US" sz="3200" spc="-1" strike="noStrike">
+            <a:endParaRPr b="0" lang="en-US" sz="2800" spc="-1" strike="noStrike">
+              <a:solidFill>
+                <a:srgbClr val="000000"/>
+              </a:solidFill>
               <a:latin typeface="Arial"/>
             </a:endParaRPr>
           </a:p>
@@ -3312,7 +3532,10 @@
             <a:normAutofit/>
           </a:bodyPr>
           <a:p>
-            <a:endParaRPr b="0" lang="en-US" sz="3200" spc="-1" strike="noStrike">
+            <a:endParaRPr b="0" lang="en-US" sz="2800" spc="-1" strike="noStrike">
+              <a:solidFill>
+                <a:srgbClr val="000000"/>
+              </a:solidFill>
               <a:latin typeface="Arial"/>
             </a:endParaRPr>
           </a:p>
@@ -3342,7 +3565,10 @@
             <a:normAutofit/>
           </a:bodyPr>
           <a:p>
-            <a:endParaRPr b="0" lang="en-US" sz="3200" spc="-1" strike="noStrike">
+            <a:endParaRPr b="0" lang="en-US" sz="2800" spc="-1" strike="noStrike">
+              <a:solidFill>
+                <a:srgbClr val="000000"/>
+              </a:solidFill>
               <a:latin typeface="Arial"/>
             </a:endParaRPr>
           </a:p>
@@ -3372,7 +3598,10 @@
             <a:normAutofit/>
           </a:bodyPr>
           <a:p>
-            <a:endParaRPr b="0" lang="en-US" sz="3200" spc="-1" strike="noStrike">
+            <a:endParaRPr b="0" lang="en-US" sz="2800" spc="-1" strike="noStrike">
+              <a:solidFill>
+                <a:srgbClr val="000000"/>
+              </a:solidFill>
               <a:latin typeface="Arial"/>
             </a:endParaRPr>
           </a:p>
@@ -3402,7 +3631,10 @@
             <a:normAutofit/>
           </a:bodyPr>
           <a:p>
-            <a:endParaRPr b="0" lang="en-US" sz="3200" spc="-1" strike="noStrike">
+            <a:endParaRPr b="0" lang="en-US" sz="2800" spc="-1" strike="noStrike">
+              <a:solidFill>
+                <a:srgbClr val="000000"/>
+              </a:solidFill>
               <a:latin typeface="Arial"/>
             </a:endParaRPr>
           </a:p>
@@ -3432,7 +3664,10 @@
             <a:normAutofit/>
           </a:bodyPr>
           <a:p>
-            <a:endParaRPr b="0" lang="en-US" sz="3200" spc="-1" strike="noStrike">
+            <a:endParaRPr b="0" lang="en-US" sz="2800" spc="-1" strike="noStrike">
+              <a:solidFill>
+                <a:srgbClr val="000000"/>
+              </a:solidFill>
               <a:latin typeface="Arial"/>
             </a:endParaRPr>
           </a:p>
@@ -3484,8 +3719,10 @@
             <a:noAutofit/>
           </a:bodyPr>
           <a:p>
-            <a:pPr algn="ctr"/>
-            <a:endParaRPr b="0" lang="en-US" sz="4400" spc="-1" strike="noStrike">
+            <a:endParaRPr b="0" lang="en-US" sz="1800" spc="-1" strike="noStrike">
+              <a:solidFill>
+                <a:srgbClr val="000000"/>
+              </a:solidFill>
               <a:latin typeface="Arial"/>
             </a:endParaRPr>
           </a:p>
@@ -3515,7 +3752,10 @@
             <a:normAutofit/>
           </a:bodyPr>
           <a:p>
-            <a:endParaRPr b="0" lang="en-US" sz="3200" spc="-1" strike="noStrike">
+            <a:endParaRPr b="0" lang="en-US" sz="2800" spc="-1" strike="noStrike">
+              <a:solidFill>
+                <a:srgbClr val="000000"/>
+              </a:solidFill>
               <a:latin typeface="Arial"/>
             </a:endParaRPr>
           </a:p>
@@ -3545,7 +3785,10 @@
             <a:normAutofit/>
           </a:bodyPr>
           <a:p>
-            <a:endParaRPr b="0" lang="en-US" sz="3200" spc="-1" strike="noStrike">
+            <a:endParaRPr b="0" lang="en-US" sz="2800" spc="-1" strike="noStrike">
+              <a:solidFill>
+                <a:srgbClr val="000000"/>
+              </a:solidFill>
               <a:latin typeface="Arial"/>
             </a:endParaRPr>
           </a:p>
@@ -3597,8 +3840,10 @@
             <a:noAutofit/>
           </a:bodyPr>
           <a:p>
-            <a:pPr algn="ctr"/>
-            <a:endParaRPr b="0" lang="en-US" sz="4400" spc="-1" strike="noStrike">
+            <a:endParaRPr b="0" lang="en-US" sz="1800" spc="-1" strike="noStrike">
+              <a:solidFill>
+                <a:srgbClr val="000000"/>
+              </a:solidFill>
               <a:latin typeface="Arial"/>
             </a:endParaRPr>
           </a:p>
@@ -3703,8 +3948,10 @@
             <a:noAutofit/>
           </a:bodyPr>
           <a:p>
-            <a:pPr algn="ctr"/>
-            <a:endParaRPr b="0" lang="en-US" sz="4400" spc="-1" strike="noStrike">
+            <a:endParaRPr b="0" lang="en-US" sz="1800" spc="-1" strike="noStrike">
+              <a:solidFill>
+                <a:srgbClr val="000000"/>
+              </a:solidFill>
               <a:latin typeface="Arial"/>
             </a:endParaRPr>
           </a:p>
@@ -3734,7 +3981,10 @@
             <a:normAutofit/>
           </a:bodyPr>
           <a:p>
-            <a:endParaRPr b="0" lang="en-US" sz="3200" spc="-1" strike="noStrike">
+            <a:endParaRPr b="0" lang="en-US" sz="2800" spc="-1" strike="noStrike">
+              <a:solidFill>
+                <a:srgbClr val="000000"/>
+              </a:solidFill>
               <a:latin typeface="Arial"/>
             </a:endParaRPr>
           </a:p>
@@ -3764,7 +4014,10 @@
             <a:normAutofit/>
           </a:bodyPr>
           <a:p>
-            <a:endParaRPr b="0" lang="en-US" sz="3200" spc="-1" strike="noStrike">
+            <a:endParaRPr b="0" lang="en-US" sz="2800" spc="-1" strike="noStrike">
+              <a:solidFill>
+                <a:srgbClr val="000000"/>
+              </a:solidFill>
               <a:latin typeface="Arial"/>
             </a:endParaRPr>
           </a:p>
@@ -3794,7 +4047,10 @@
             <a:normAutofit/>
           </a:bodyPr>
           <a:p>
-            <a:endParaRPr b="0" lang="en-US" sz="3200" spc="-1" strike="noStrike">
+            <a:endParaRPr b="0" lang="en-US" sz="2800" spc="-1" strike="noStrike">
+              <a:solidFill>
+                <a:srgbClr val="000000"/>
+              </a:solidFill>
               <a:latin typeface="Arial"/>
             </a:endParaRPr>
           </a:p>
@@ -3846,8 +4102,10 @@
             <a:noAutofit/>
           </a:bodyPr>
           <a:p>
-            <a:pPr algn="ctr"/>
-            <a:endParaRPr b="0" lang="en-US" sz="4400" spc="-1" strike="noStrike">
+            <a:endParaRPr b="0" lang="en-US" sz="1800" spc="-1" strike="noStrike">
+              <a:solidFill>
+                <a:srgbClr val="000000"/>
+              </a:solidFill>
               <a:latin typeface="Arial"/>
             </a:endParaRPr>
           </a:p>
@@ -3877,7 +4135,10 @@
             <a:normAutofit/>
           </a:bodyPr>
           <a:p>
-            <a:endParaRPr b="0" lang="en-US" sz="3200" spc="-1" strike="noStrike">
+            <a:endParaRPr b="0" lang="en-US" sz="2800" spc="-1" strike="noStrike">
+              <a:solidFill>
+                <a:srgbClr val="000000"/>
+              </a:solidFill>
               <a:latin typeface="Arial"/>
             </a:endParaRPr>
           </a:p>
@@ -3907,7 +4168,10 @@
             <a:normAutofit/>
           </a:bodyPr>
           <a:p>
-            <a:endParaRPr b="0" lang="en-US" sz="3200" spc="-1" strike="noStrike">
+            <a:endParaRPr b="0" lang="en-US" sz="2800" spc="-1" strike="noStrike">
+              <a:solidFill>
+                <a:srgbClr val="000000"/>
+              </a:solidFill>
               <a:latin typeface="Arial"/>
             </a:endParaRPr>
           </a:p>
@@ -3937,7 +4201,10 @@
             <a:normAutofit/>
           </a:bodyPr>
           <a:p>
-            <a:endParaRPr b="0" lang="en-US" sz="3200" spc="-1" strike="noStrike">
+            <a:endParaRPr b="0" lang="en-US" sz="2800" spc="-1" strike="noStrike">
+              <a:solidFill>
+                <a:srgbClr val="000000"/>
+              </a:solidFill>
               <a:latin typeface="Arial"/>
             </a:endParaRPr>
           </a:p>
@@ -3989,8 +4256,10 @@
             <a:noAutofit/>
           </a:bodyPr>
           <a:p>
-            <a:pPr algn="ctr"/>
-            <a:endParaRPr b="0" lang="en-US" sz="4400" spc="-1" strike="noStrike">
+            <a:endParaRPr b="0" lang="en-US" sz="1800" spc="-1" strike="noStrike">
+              <a:solidFill>
+                <a:srgbClr val="000000"/>
+              </a:solidFill>
               <a:latin typeface="Arial"/>
             </a:endParaRPr>
           </a:p>
@@ -4020,7 +4289,10 @@
             <a:normAutofit/>
           </a:bodyPr>
           <a:p>
-            <a:endParaRPr b="0" lang="en-US" sz="3200" spc="-1" strike="noStrike">
+            <a:endParaRPr b="0" lang="en-US" sz="2800" spc="-1" strike="noStrike">
+              <a:solidFill>
+                <a:srgbClr val="000000"/>
+              </a:solidFill>
               <a:latin typeface="Arial"/>
             </a:endParaRPr>
           </a:p>
@@ -4050,7 +4322,10 @@
             <a:normAutofit/>
           </a:bodyPr>
           <a:p>
-            <a:endParaRPr b="0" lang="en-US" sz="3200" spc="-1" strike="noStrike">
+            <a:endParaRPr b="0" lang="en-US" sz="2800" spc="-1" strike="noStrike">
+              <a:solidFill>
+                <a:srgbClr val="000000"/>
+              </a:solidFill>
               <a:latin typeface="Arial"/>
             </a:endParaRPr>
           </a:p>
@@ -4080,7 +4355,10 @@
             <a:normAutofit/>
           </a:bodyPr>
           <a:p>
-            <a:endParaRPr b="0" lang="en-US" sz="3200" spc="-1" strike="noStrike">
+            <a:endParaRPr b="0" lang="en-US" sz="2800" spc="-1" strike="noStrike">
+              <a:solidFill>
+                <a:srgbClr val="000000"/>
+              </a:solidFill>
               <a:latin typeface="Arial"/>
             </a:endParaRPr>
           </a:p>
@@ -4094,6 +4372,13 @@
 <file path=ppt/slideMasters/slideMaster1.xml><?xml version="1.0" encoding="utf-8"?>
 <p:sldMaster xmlns:a="http://schemas.openxmlformats.org/drawingml/2006/main" xmlns:p="http://schemas.openxmlformats.org/presentationml/2006/main" xmlns:r="http://schemas.openxmlformats.org/officeDocument/2006/relationships" xmlns:p14="http://schemas.microsoft.com/office/powerpoint/2010/main" xmlns:p15="http://schemas.microsoft.com/office/powerpoint/2012/main" xmlns:mc="http://schemas.openxmlformats.org/markup-compatibility/2006">
   <p:cSld>
+    <p:bg>
+      <p:bgPr>
+        <a:solidFill>
+          <a:srgbClr val="ffffff"/>
+        </a:solidFill>
+      </p:bgPr>
+    </p:bg>
     <p:spTree>
       <p:nvGrpSpPr>
         <p:cNvPr id="1" name=""/>
@@ -4121,7 +4406,7 @@
         <p:spPr>
           <a:xfrm>
             <a:off x="504000" y="226080"/>
-            <a:ext cx="9071280" cy="946080"/>
+            <a:ext cx="9071640" cy="946080"/>
           </a:xfrm>
           <a:prstGeom prst="rect">
             <a:avLst/>
@@ -4133,12 +4418,27 @@
           </a:bodyPr>
           <a:p>
             <a:r>
-              <a:rPr b="0" lang="en-US" sz="1800" spc="-1" strike="noStrike">
-                <a:latin typeface="Arial"/>
-              </a:rPr>
-              <a:t>Click to edit the title text format</a:t>
-            </a:r>
-            <a:endParaRPr b="0" lang="en-US" sz="1800" spc="-1" strike="noStrike">
+              <a:rPr b="0" lang="en-US" sz="4400" spc="-1" strike="noStrike">
+                <a:solidFill>
+                  <a:srgbClr val="000000"/>
+                </a:solidFill>
+                <a:latin typeface="Arial"/>
+              </a:rPr>
+              <a:t>Click to edit the </a:t>
+            </a:r>
+            <a:r>
+              <a:rPr b="0" lang="en-US" sz="4400" spc="-1" strike="noStrike">
+                <a:solidFill>
+                  <a:srgbClr val="000000"/>
+                </a:solidFill>
+                <a:latin typeface="Arial"/>
+              </a:rPr>
+              <a:t>title text format</a:t>
+            </a:r>
+            <a:endParaRPr b="0" lang="en-US" sz="4400" spc="-1" strike="noStrike">
+              <a:solidFill>
+                <a:srgbClr val="000000"/>
+              </a:solidFill>
               <a:latin typeface="Arial"/>
             </a:endParaRPr>
           </a:p>
@@ -4180,12 +4480,18 @@
               <a:buChar char=""/>
             </a:pPr>
             <a:r>
-              <a:rPr b="0" lang="en-US" sz="3200" spc="-1" strike="noStrike">
+              <a:rPr b="0" lang="en-US" sz="2800" spc="-1" strike="noStrike">
+                <a:solidFill>
+                  <a:srgbClr val="000000"/>
+                </a:solidFill>
                 <a:latin typeface="Arial"/>
               </a:rPr>
               <a:t>Click to edit the outline text format</a:t>
             </a:r>
-            <a:endParaRPr b="0" lang="en-US" sz="3200" spc="-1" strike="noStrike">
+            <a:endParaRPr b="0" lang="en-US" sz="2800" spc="-1" strike="noStrike">
+              <a:solidFill>
+                <a:srgbClr val="000000"/>
+              </a:solidFill>
               <a:latin typeface="Arial"/>
             </a:endParaRPr>
           </a:p>
@@ -4202,12 +4508,18 @@
               <a:buChar char=""/>
             </a:pPr>
             <a:r>
-              <a:rPr b="0" lang="en-US" sz="2800" spc="-1" strike="noStrike">
+              <a:rPr b="0" lang="en-US" sz="2000" spc="-1" strike="noStrike">
+                <a:solidFill>
+                  <a:srgbClr val="000000"/>
+                </a:solidFill>
                 <a:latin typeface="Arial"/>
               </a:rPr>
               <a:t>Second Outline Level</a:t>
             </a:r>
-            <a:endParaRPr b="0" lang="en-US" sz="2800" spc="-1" strike="noStrike">
+            <a:endParaRPr b="0" lang="en-US" sz="2000" spc="-1" strike="noStrike">
+              <a:solidFill>
+                <a:srgbClr val="000000"/>
+              </a:solidFill>
               <a:latin typeface="Arial"/>
             </a:endParaRPr>
           </a:p>
@@ -4224,12 +4536,18 @@
               <a:buChar char=""/>
             </a:pPr>
             <a:r>
-              <a:rPr b="0" lang="en-US" sz="2400" spc="-1" strike="noStrike">
+              <a:rPr b="0" lang="en-US" sz="1800" spc="-1" strike="noStrike">
+                <a:solidFill>
+                  <a:srgbClr val="000000"/>
+                </a:solidFill>
                 <a:latin typeface="Arial"/>
               </a:rPr>
               <a:t>Third Outline Level</a:t>
             </a:r>
-            <a:endParaRPr b="0" lang="en-US" sz="2400" spc="-1" strike="noStrike">
+            <a:endParaRPr b="0" lang="en-US" sz="1800" spc="-1" strike="noStrike">
+              <a:solidFill>
+                <a:srgbClr val="000000"/>
+              </a:solidFill>
               <a:latin typeface="Arial"/>
             </a:endParaRPr>
           </a:p>
@@ -4246,12 +4564,18 @@
               <a:buChar char=""/>
             </a:pPr>
             <a:r>
-              <a:rPr b="0" lang="en-US" sz="2000" spc="-1" strike="noStrike">
+              <a:rPr b="0" lang="en-US" sz="1800" spc="-1" strike="noStrike">
+                <a:solidFill>
+                  <a:srgbClr val="000000"/>
+                </a:solidFill>
                 <a:latin typeface="Arial"/>
               </a:rPr>
               <a:t>Fourth Outline Level</a:t>
             </a:r>
-            <a:endParaRPr b="0" lang="en-US" sz="2000" spc="-1" strike="noStrike">
+            <a:endParaRPr b="0" lang="en-US" sz="1800" spc="-1" strike="noStrike">
+              <a:solidFill>
+                <a:srgbClr val="000000"/>
+              </a:solidFill>
               <a:latin typeface="Arial"/>
             </a:endParaRPr>
           </a:p>
@@ -4269,11 +4593,17 @@
             </a:pPr>
             <a:r>
               <a:rPr b="0" lang="en-US" sz="2000" spc="-1" strike="noStrike">
+                <a:solidFill>
+                  <a:srgbClr val="000000"/>
+                </a:solidFill>
                 <a:latin typeface="Arial"/>
               </a:rPr>
               <a:t>Fifth Outline Level</a:t>
             </a:r>
             <a:endParaRPr b="0" lang="en-US" sz="2000" spc="-1" strike="noStrike">
+              <a:solidFill>
+                <a:srgbClr val="000000"/>
+              </a:solidFill>
               <a:latin typeface="Arial"/>
             </a:endParaRPr>
           </a:p>
@@ -4291,11 +4621,17 @@
             </a:pPr>
             <a:r>
               <a:rPr b="0" lang="en-US" sz="2000" spc="-1" strike="noStrike">
+                <a:solidFill>
+                  <a:srgbClr val="000000"/>
+                </a:solidFill>
                 <a:latin typeface="Arial"/>
               </a:rPr>
               <a:t>Sixth Outline Level</a:t>
             </a:r>
             <a:endParaRPr b="0" lang="en-US" sz="2000" spc="-1" strike="noStrike">
+              <a:solidFill>
+                <a:srgbClr val="000000"/>
+              </a:solidFill>
               <a:latin typeface="Arial"/>
             </a:endParaRPr>
           </a:p>
@@ -4313,11 +4649,17 @@
             </a:pPr>
             <a:r>
               <a:rPr b="0" lang="en-US" sz="2000" spc="-1" strike="noStrike">
+                <a:solidFill>
+                  <a:srgbClr val="000000"/>
+                </a:solidFill>
                 <a:latin typeface="Arial"/>
               </a:rPr>
               <a:t>Seventh Outline Level</a:t>
             </a:r>
             <a:endParaRPr b="0" lang="en-US" sz="2000" spc="-1" strike="noStrike">
+              <a:solidFill>
+                <a:srgbClr val="000000"/>
+              </a:solidFill>
               <a:latin typeface="Arial"/>
             </a:endParaRPr>
           </a:p>
@@ -4346,6 +4688,13 @@
 <file path=ppt/slideMasters/slideMaster2.xml><?xml version="1.0" encoding="utf-8"?>
 <p:sldMaster xmlns:a="http://schemas.openxmlformats.org/drawingml/2006/main" xmlns:p="http://schemas.openxmlformats.org/presentationml/2006/main" xmlns:r="http://schemas.openxmlformats.org/officeDocument/2006/relationships" xmlns:p14="http://schemas.microsoft.com/office/powerpoint/2010/main" xmlns:p15="http://schemas.microsoft.com/office/powerpoint/2012/main" xmlns:mc="http://schemas.openxmlformats.org/markup-compatibility/2006">
   <p:cSld>
+    <p:bg>
+      <p:bgPr>
+        <a:solidFill>
+          <a:srgbClr val="ffffff"/>
+        </a:solidFill>
+      </p:bgPr>
+    </p:bg>
     <p:spTree>
       <p:nvGrpSpPr>
         <p:cNvPr id="1" name=""/>
@@ -4373,7 +4722,7 @@
         <p:spPr>
           <a:xfrm>
             <a:off x="504000" y="226080"/>
-            <a:ext cx="9071280" cy="946080"/>
+            <a:ext cx="9072000" cy="946440"/>
           </a:xfrm>
           <a:prstGeom prst="rect">
             <a:avLst/>
@@ -4386,11 +4735,17 @@
           <a:p>
             <a:r>
               <a:rPr b="0" lang="en-US" sz="1800" spc="-1" strike="noStrike">
+                <a:solidFill>
+                  <a:srgbClr val="000000"/>
+                </a:solidFill>
                 <a:latin typeface="Arial"/>
               </a:rPr>
               <a:t>Click to edit the title text format</a:t>
             </a:r>
             <a:endParaRPr b="0" lang="en-US" sz="1800" spc="-1" strike="noStrike">
+              <a:solidFill>
+                <a:srgbClr val="000000"/>
+              </a:solidFill>
               <a:latin typeface="Arial"/>
             </a:endParaRPr>
           </a:p>
@@ -4409,7 +4764,7 @@
         <p:spPr>
           <a:xfrm>
             <a:off x="504000" y="1326600"/>
-            <a:ext cx="9071280" cy="3287880"/>
+            <a:ext cx="9072000" cy="3288600"/>
           </a:xfrm>
           <a:prstGeom prst="rect">
             <a:avLst/>
@@ -4432,12 +4787,18 @@
               <a:buChar char=""/>
             </a:pPr>
             <a:r>
-              <a:rPr b="0" lang="en-US" sz="1800" spc="-1" strike="noStrike">
+              <a:rPr b="0" lang="en-US" sz="2800" spc="-1" strike="noStrike">
+                <a:solidFill>
+                  <a:srgbClr val="000000"/>
+                </a:solidFill>
                 <a:latin typeface="Arial"/>
               </a:rPr>
               <a:t>Click to edit the outline text format</a:t>
             </a:r>
-            <a:endParaRPr b="0" lang="en-US" sz="1800" spc="-1" strike="noStrike">
+            <a:endParaRPr b="0" lang="en-US" sz="2800" spc="-1" strike="noStrike">
+              <a:solidFill>
+                <a:srgbClr val="000000"/>
+              </a:solidFill>
               <a:latin typeface="Arial"/>
             </a:endParaRPr>
           </a:p>
@@ -4454,12 +4815,18 @@
               <a:buChar char=""/>
             </a:pPr>
             <a:r>
-              <a:rPr b="0" lang="en-US" sz="1800" spc="-1" strike="noStrike">
+              <a:rPr b="0" lang="en-US" sz="2000" spc="-1" strike="noStrike">
+                <a:solidFill>
+                  <a:srgbClr val="000000"/>
+                </a:solidFill>
                 <a:latin typeface="Arial"/>
               </a:rPr>
               <a:t>Second Outline Level</a:t>
             </a:r>
-            <a:endParaRPr b="0" lang="en-US" sz="1800" spc="-1" strike="noStrike">
+            <a:endParaRPr b="0" lang="en-US" sz="2000" spc="-1" strike="noStrike">
+              <a:solidFill>
+                <a:srgbClr val="000000"/>
+              </a:solidFill>
               <a:latin typeface="Arial"/>
             </a:endParaRPr>
           </a:p>
@@ -4477,11 +4844,17 @@
             </a:pPr>
             <a:r>
               <a:rPr b="0" lang="en-US" sz="1800" spc="-1" strike="noStrike">
+                <a:solidFill>
+                  <a:srgbClr val="000000"/>
+                </a:solidFill>
                 <a:latin typeface="Arial"/>
               </a:rPr>
               <a:t>Third Outline Level</a:t>
             </a:r>
             <a:endParaRPr b="0" lang="en-US" sz="1800" spc="-1" strike="noStrike">
+              <a:solidFill>
+                <a:srgbClr val="000000"/>
+              </a:solidFill>
               <a:latin typeface="Arial"/>
             </a:endParaRPr>
           </a:p>
@@ -4499,11 +4872,17 @@
             </a:pPr>
             <a:r>
               <a:rPr b="0" lang="en-US" sz="1800" spc="-1" strike="noStrike">
+                <a:solidFill>
+                  <a:srgbClr val="000000"/>
+                </a:solidFill>
                 <a:latin typeface="Arial"/>
               </a:rPr>
               <a:t>Fourth Outline Level</a:t>
             </a:r>
             <a:endParaRPr b="0" lang="en-US" sz="1800" spc="-1" strike="noStrike">
+              <a:solidFill>
+                <a:srgbClr val="000000"/>
+              </a:solidFill>
               <a:latin typeface="Arial"/>
             </a:endParaRPr>
           </a:p>
@@ -4520,12 +4899,18 @@
               <a:buChar char=""/>
             </a:pPr>
             <a:r>
-              <a:rPr b="0" lang="en-US" sz="1800" spc="-1" strike="noStrike">
+              <a:rPr b="0" lang="en-US" sz="2000" spc="-1" strike="noStrike">
+                <a:solidFill>
+                  <a:srgbClr val="000000"/>
+                </a:solidFill>
                 <a:latin typeface="Arial"/>
               </a:rPr>
               <a:t>Fifth Outline Level</a:t>
             </a:r>
-            <a:endParaRPr b="0" lang="en-US" sz="1800" spc="-1" strike="noStrike">
+            <a:endParaRPr b="0" lang="en-US" sz="2000" spc="-1" strike="noStrike">
+              <a:solidFill>
+                <a:srgbClr val="000000"/>
+              </a:solidFill>
               <a:latin typeface="Arial"/>
             </a:endParaRPr>
           </a:p>
@@ -4542,12 +4927,18 @@
               <a:buChar char=""/>
             </a:pPr>
             <a:r>
-              <a:rPr b="0" lang="en-US" sz="1800" spc="-1" strike="noStrike">
+              <a:rPr b="0" lang="en-US" sz="2000" spc="-1" strike="noStrike">
+                <a:solidFill>
+                  <a:srgbClr val="000000"/>
+                </a:solidFill>
                 <a:latin typeface="Arial"/>
               </a:rPr>
               <a:t>Sixth Outline Level</a:t>
             </a:r>
-            <a:endParaRPr b="0" lang="en-US" sz="1800" spc="-1" strike="noStrike">
+            <a:endParaRPr b="0" lang="en-US" sz="2000" spc="-1" strike="noStrike">
+              <a:solidFill>
+                <a:srgbClr val="000000"/>
+              </a:solidFill>
               <a:latin typeface="Arial"/>
             </a:endParaRPr>
           </a:p>
@@ -4564,12 +4955,18 @@
               <a:buChar char=""/>
             </a:pPr>
             <a:r>
-              <a:rPr b="0" lang="en-US" sz="1800" spc="-1" strike="noStrike">
+              <a:rPr b="0" lang="en-US" sz="2000" spc="-1" strike="noStrike">
+                <a:solidFill>
+                  <a:srgbClr val="000000"/>
+                </a:solidFill>
                 <a:latin typeface="Arial"/>
               </a:rPr>
               <a:t>Seventh Outline Level</a:t>
             </a:r>
-            <a:endParaRPr b="0" lang="en-US" sz="1800" spc="-1" strike="noStrike">
+            <a:endParaRPr b="0" lang="en-US" sz="2000" spc="-1" strike="noStrike">
+              <a:solidFill>
+                <a:srgbClr val="000000"/>
+              </a:solidFill>
               <a:latin typeface="Arial"/>
             </a:endParaRPr>
           </a:p>
@@ -4598,6 +4995,13 @@
 <file path=ppt/slideMasters/slideMaster3.xml><?xml version="1.0" encoding="utf-8"?>
 <p:sldMaster xmlns:a="http://schemas.openxmlformats.org/drawingml/2006/main" xmlns:p="http://schemas.openxmlformats.org/presentationml/2006/main" xmlns:r="http://schemas.openxmlformats.org/officeDocument/2006/relationships" xmlns:p14="http://schemas.microsoft.com/office/powerpoint/2010/main" xmlns:p15="http://schemas.microsoft.com/office/powerpoint/2012/main" xmlns:mc="http://schemas.openxmlformats.org/markup-compatibility/2006">
   <p:cSld>
+    <p:bg>
+      <p:bgPr>
+        <a:solidFill>
+          <a:srgbClr val="ffffff"/>
+        </a:solidFill>
+      </p:bgPr>
+    </p:bg>
     <p:spTree>
       <p:nvGrpSpPr>
         <p:cNvPr id="1" name=""/>
@@ -4636,14 +5040,19 @@
             <a:noAutofit/>
           </a:bodyPr>
           <a:p>
-            <a:pPr algn="ctr"/>
-            <a:r>
-              <a:rPr b="0" lang="en-US" sz="4400" spc="-1" strike="noStrike">
+            <a:r>
+              <a:rPr b="0" lang="en-US" sz="1800" spc="-1" strike="noStrike">
+                <a:solidFill>
+                  <a:srgbClr val="000000"/>
+                </a:solidFill>
                 <a:latin typeface="Arial"/>
               </a:rPr>
               <a:t>Click to edit the title text format</a:t>
             </a:r>
-            <a:endParaRPr b="0" lang="en-US" sz="4400" spc="-1" strike="noStrike">
+            <a:endParaRPr b="0" lang="en-US" sz="1800" spc="-1" strike="noStrike">
+              <a:solidFill>
+                <a:srgbClr val="000000"/>
+              </a:solidFill>
               <a:latin typeface="Arial"/>
             </a:endParaRPr>
           </a:p>
@@ -4685,12 +5094,18 @@
               <a:buChar char=""/>
             </a:pPr>
             <a:r>
-              <a:rPr b="0" lang="en-US" sz="3200" spc="-1" strike="noStrike">
+              <a:rPr b="0" lang="en-US" sz="2800" spc="-1" strike="noStrike">
+                <a:solidFill>
+                  <a:srgbClr val="000000"/>
+                </a:solidFill>
                 <a:latin typeface="Arial"/>
               </a:rPr>
               <a:t>Click to edit the outline text format</a:t>
             </a:r>
-            <a:endParaRPr b="0" lang="en-US" sz="3200" spc="-1" strike="noStrike">
+            <a:endParaRPr b="0" lang="en-US" sz="2800" spc="-1" strike="noStrike">
+              <a:solidFill>
+                <a:srgbClr val="000000"/>
+              </a:solidFill>
               <a:latin typeface="Arial"/>
             </a:endParaRPr>
           </a:p>
@@ -4707,12 +5122,18 @@
               <a:buChar char=""/>
             </a:pPr>
             <a:r>
-              <a:rPr b="0" lang="en-US" sz="2800" spc="-1" strike="noStrike">
+              <a:rPr b="0" lang="en-US" sz="2000" spc="-1" strike="noStrike">
+                <a:solidFill>
+                  <a:srgbClr val="000000"/>
+                </a:solidFill>
                 <a:latin typeface="Arial"/>
               </a:rPr>
               <a:t>Second Outline Level</a:t>
             </a:r>
-            <a:endParaRPr b="0" lang="en-US" sz="2800" spc="-1" strike="noStrike">
+            <a:endParaRPr b="0" lang="en-US" sz="2000" spc="-1" strike="noStrike">
+              <a:solidFill>
+                <a:srgbClr val="000000"/>
+              </a:solidFill>
               <a:latin typeface="Arial"/>
             </a:endParaRPr>
           </a:p>
@@ -4729,12 +5150,18 @@
               <a:buChar char=""/>
             </a:pPr>
             <a:r>
-              <a:rPr b="0" lang="en-US" sz="2400" spc="-1" strike="noStrike">
+              <a:rPr b="0" lang="en-US" sz="1800" spc="-1" strike="noStrike">
+                <a:solidFill>
+                  <a:srgbClr val="000000"/>
+                </a:solidFill>
                 <a:latin typeface="Arial"/>
               </a:rPr>
               <a:t>Third Outline Level</a:t>
             </a:r>
-            <a:endParaRPr b="0" lang="en-US" sz="2400" spc="-1" strike="noStrike">
+            <a:endParaRPr b="0" lang="en-US" sz="1800" spc="-1" strike="noStrike">
+              <a:solidFill>
+                <a:srgbClr val="000000"/>
+              </a:solidFill>
               <a:latin typeface="Arial"/>
             </a:endParaRPr>
           </a:p>
@@ -4751,12 +5178,18 @@
               <a:buChar char=""/>
             </a:pPr>
             <a:r>
-              <a:rPr b="0" lang="en-US" sz="2000" spc="-1" strike="noStrike">
+              <a:rPr b="0" lang="en-US" sz="1800" spc="-1" strike="noStrike">
+                <a:solidFill>
+                  <a:srgbClr val="000000"/>
+                </a:solidFill>
                 <a:latin typeface="Arial"/>
               </a:rPr>
               <a:t>Fourth Outline Level</a:t>
             </a:r>
-            <a:endParaRPr b="0" lang="en-US" sz="2000" spc="-1" strike="noStrike">
+            <a:endParaRPr b="0" lang="en-US" sz="1800" spc="-1" strike="noStrike">
+              <a:solidFill>
+                <a:srgbClr val="000000"/>
+              </a:solidFill>
               <a:latin typeface="Arial"/>
             </a:endParaRPr>
           </a:p>
@@ -4774,11 +5207,17 @@
             </a:pPr>
             <a:r>
               <a:rPr b="0" lang="en-US" sz="2000" spc="-1" strike="noStrike">
+                <a:solidFill>
+                  <a:srgbClr val="000000"/>
+                </a:solidFill>
                 <a:latin typeface="Arial"/>
               </a:rPr>
               <a:t>Fifth Outline Level</a:t>
             </a:r>
             <a:endParaRPr b="0" lang="en-US" sz="2000" spc="-1" strike="noStrike">
+              <a:solidFill>
+                <a:srgbClr val="000000"/>
+              </a:solidFill>
               <a:latin typeface="Arial"/>
             </a:endParaRPr>
           </a:p>
@@ -4796,11 +5235,17 @@
             </a:pPr>
             <a:r>
               <a:rPr b="0" lang="en-US" sz="2000" spc="-1" strike="noStrike">
+                <a:solidFill>
+                  <a:srgbClr val="000000"/>
+                </a:solidFill>
                 <a:latin typeface="Arial"/>
               </a:rPr>
               <a:t>Sixth Outline Level</a:t>
             </a:r>
             <a:endParaRPr b="0" lang="en-US" sz="2000" spc="-1" strike="noStrike">
+              <a:solidFill>
+                <a:srgbClr val="000000"/>
+              </a:solidFill>
               <a:latin typeface="Arial"/>
             </a:endParaRPr>
           </a:p>
@@ -4818,11 +5263,17 @@
             </a:pPr>
             <a:r>
               <a:rPr b="0" lang="en-US" sz="2000" spc="-1" strike="noStrike">
+                <a:solidFill>
+                  <a:srgbClr val="000000"/>
+                </a:solidFill>
                 <a:latin typeface="Arial"/>
               </a:rPr>
               <a:t>Seventh Outline Level</a:t>
             </a:r>
             <a:endParaRPr b="0" lang="en-US" sz="2000" spc="-1" strike="noStrike">
+              <a:solidFill>
+                <a:srgbClr val="000000"/>
+              </a:solidFill>
               <a:latin typeface="Arial"/>
             </a:endParaRPr>
           </a:p>
@@ -4874,7 +5325,7 @@
         <p:spPr>
           <a:xfrm>
             <a:off x="548640" y="1734120"/>
-            <a:ext cx="9071280" cy="1437120"/>
+            <a:ext cx="9070920" cy="1436760"/>
           </a:xfrm>
           <a:prstGeom prst="rect">
             <a:avLst/>
@@ -4902,19 +5353,31 @@
             </a:pPr>
             <a:r>
               <a:rPr b="1" lang="zh-CN" sz="4400" spc="-1" strike="noStrike">
-                <a:latin typeface="Arial"/>
+                <a:solidFill>
+                  <a:srgbClr val="000000"/>
+                </a:solidFill>
+                <a:latin typeface="Arial"/>
+                <a:ea typeface="DejaVu Sans"/>
               </a:rPr>
               <a:t>高精度日志规则生成框架</a:t>
             </a:r>
             <a:r>
               <a:rPr b="0" lang="en-US" sz="4400" spc="-1" strike="noStrike">
-                <a:latin typeface="Arial"/>
+                <a:solidFill>
+                  <a:srgbClr val="000000"/>
+                </a:solidFill>
+                <a:latin typeface="Arial"/>
+                <a:ea typeface="DejaVu Sans"/>
               </a:rPr>
               <a:t> </a:t>
             </a:r>
             <a:r>
               <a:rPr b="1" lang="en-US" sz="4400" spc="-1" strike="noStrike">
-                <a:latin typeface="Ubuntu"/>
+                <a:solidFill>
+                  <a:srgbClr val="000000"/>
+                </a:solidFill>
+                <a:latin typeface="Arial"/>
+                <a:ea typeface="DejaVu Sans"/>
               </a:rPr>
               <a:t>LogParserX</a:t>
             </a:r>
@@ -4933,7 +5396,7 @@
         <p:spPr>
           <a:xfrm>
             <a:off x="3796920" y="3876480"/>
-            <a:ext cx="2694960" cy="420840"/>
+            <a:ext cx="2694600" cy="420480"/>
           </a:xfrm>
           <a:prstGeom prst="rect">
             <a:avLst/>
@@ -4961,7 +5424,11 @@
             </a:pPr>
             <a:r>
               <a:rPr b="0" lang="zh-CN" sz="1800" spc="-1" strike="noStrike">
-                <a:latin typeface="Arial"/>
+                <a:solidFill>
+                  <a:srgbClr val="000000"/>
+                </a:solidFill>
+                <a:latin typeface="Arial"/>
+                <a:ea typeface="DejaVu Sans"/>
               </a:rPr>
               <a:t>团队：银枪修罗一枪爱死</a:t>
             </a:r>
@@ -5003,14 +5470,14 @@
       </p:grpSpPr>
       <p:sp>
         <p:nvSpPr>
-          <p:cNvPr id="139" name="CustomShape 1"/>
+          <p:cNvPr id="141" name="CustomShape 1"/>
           <p:cNvSpPr/>
           <p:nvPr/>
         </p:nvSpPr>
         <p:spPr>
           <a:xfrm>
-            <a:off x="548640" y="2071080"/>
-            <a:ext cx="9071280" cy="946080"/>
+            <a:off x="504000" y="226080"/>
+            <a:ext cx="9070920" cy="945720"/>
           </a:xfrm>
           <a:prstGeom prst="rect">
             <a:avLst/>
@@ -5031,33 +5498,37 @@
             <a:noAutofit/>
           </a:bodyPr>
           <a:p>
-            <a:pPr algn="ctr">
+            <a:pPr>
               <a:lnSpc>
                 <a:spcPct val="100000"/>
               </a:lnSpc>
             </a:pPr>
             <a:r>
-              <a:rPr b="1" lang="zh-CN" sz="4800" spc="-1" strike="noStrike">
-                <a:latin typeface="Arial"/>
-              </a:rPr>
-              <a:t>谢谢！</a:t>
-            </a:r>
-            <a:endParaRPr b="0" lang="en-US" sz="4800" spc="-1" strike="noStrike">
-              <a:latin typeface="Arial"/>
-            </a:endParaRPr>
-          </a:p>
-        </p:txBody>
-      </p:sp>
-      <p:sp>
-        <p:nvSpPr>
-          <p:cNvPr id="140" name="CustomShape 2"/>
+              <a:rPr b="1" lang="zh-CN" sz="4400" spc="-1" strike="noStrike">
+                <a:solidFill>
+                  <a:srgbClr val="000000"/>
+                </a:solidFill>
+                <a:latin typeface="Arial"/>
+                <a:ea typeface="DejaVu Sans"/>
+              </a:rPr>
+              <a:t>结论</a:t>
+            </a:r>
+            <a:endParaRPr b="0" lang="en-US" sz="4400" spc="-1" strike="noStrike">
+              <a:latin typeface="Arial"/>
+            </a:endParaRPr>
+          </a:p>
+        </p:txBody>
+      </p:sp>
+      <p:sp>
+        <p:nvSpPr>
+          <p:cNvPr id="142" name="CustomShape 2"/>
           <p:cNvSpPr/>
           <p:nvPr/>
         </p:nvSpPr>
         <p:spPr>
-          <a:xfrm>
-            <a:off x="1828800" y="3351240"/>
-            <a:ext cx="6217560" cy="946080"/>
+          <a:xfrm rot="5400">
+            <a:off x="729360" y="1547280"/>
+            <a:ext cx="9144000" cy="2293200"/>
           </a:xfrm>
           <a:prstGeom prst="rect">
             <a:avLst/>
@@ -5074,6 +5545,406 @@
           <a:fontRef idx="minor"/>
         </p:style>
         <p:txBody>
+          <a:bodyPr lIns="90000" rIns="90000" tIns="45000" bIns="45000">
+            <a:noAutofit/>
+          </a:bodyPr>
+          <a:p>
+            <a:pPr>
+              <a:lnSpc>
+                <a:spcPct val="100000"/>
+              </a:lnSpc>
+            </a:pPr>
+            <a:r>
+              <a:rPr b="0" lang="en-US" sz="2200" spc="-1" strike="noStrike">
+                <a:solidFill>
+                  <a:srgbClr val="000000"/>
+                </a:solidFill>
+                <a:latin typeface="Arial"/>
+                <a:ea typeface="DejaVu Sans"/>
+              </a:rPr>
+              <a:t>LogParserX</a:t>
+            </a:r>
+            <a:r>
+              <a:rPr b="0" lang="zh-CN" sz="2200" spc="-1" strike="noStrike">
+                <a:solidFill>
+                  <a:srgbClr val="000000"/>
+                </a:solidFill>
+                <a:latin typeface="Arial"/>
+                <a:ea typeface="DejaVu Sans"/>
+              </a:rPr>
+              <a:t>在提升官方完全匹配率上效果很好，而且在覆盖率测试上，虽然没有人工的效果好，但是也达到了一定的合格度。</a:t>
+            </a:r>
+            <a:endParaRPr b="0" lang="en-US" sz="2200" spc="-1" strike="noStrike">
+              <a:latin typeface="Arial"/>
+            </a:endParaRPr>
+          </a:p>
+          <a:p>
+            <a:pPr>
+              <a:lnSpc>
+                <a:spcPct val="100000"/>
+              </a:lnSpc>
+            </a:pPr>
+            <a:endParaRPr b="0" lang="en-US" sz="2200" spc="-1" strike="noStrike">
+              <a:latin typeface="Arial"/>
+            </a:endParaRPr>
+          </a:p>
+          <a:p>
+            <a:pPr>
+              <a:lnSpc>
+                <a:spcPct val="100000"/>
+              </a:lnSpc>
+            </a:pPr>
+            <a:r>
+              <a:rPr b="0" lang="zh-CN" sz="2200" spc="-1" strike="noStrike">
+                <a:solidFill>
+                  <a:srgbClr val="000000"/>
+                </a:solidFill>
+                <a:latin typeface="Arial"/>
+                <a:ea typeface="DejaVu Sans"/>
+              </a:rPr>
+              <a:t>综合分析得到，</a:t>
+            </a:r>
+            <a:r>
+              <a:rPr b="0" lang="en-US" sz="2200" spc="-1" strike="noStrike">
+                <a:solidFill>
+                  <a:srgbClr val="000000"/>
+                </a:solidFill>
+                <a:latin typeface="Arial"/>
+                <a:ea typeface="DejaVu Sans"/>
+              </a:rPr>
+              <a:t>LogParserX</a:t>
+            </a:r>
+            <a:r>
+              <a:rPr b="0" lang="zh-CN" sz="2200" spc="-1" strike="noStrike">
+                <a:solidFill>
+                  <a:srgbClr val="000000"/>
+                </a:solidFill>
+                <a:latin typeface="Arial"/>
+                <a:ea typeface="DejaVu Sans"/>
+              </a:rPr>
+              <a:t>在开发集上的平均分数为</a:t>
+            </a:r>
+            <a:r>
+              <a:rPr b="0" lang="en-US" sz="2200" spc="-1" strike="noStrike">
+                <a:solidFill>
+                  <a:srgbClr val="000000"/>
+                </a:solidFill>
+                <a:latin typeface="Arial"/>
+                <a:ea typeface="DejaVu Sans"/>
+              </a:rPr>
+              <a:t>53.6</a:t>
+            </a:r>
+            <a:r>
+              <a:rPr b="0" lang="zh-CN" sz="2200" spc="-1" strike="noStrike">
+                <a:solidFill>
+                  <a:srgbClr val="000000"/>
+                </a:solidFill>
+                <a:latin typeface="Arial"/>
+                <a:ea typeface="DejaVu Sans"/>
+              </a:rPr>
+              <a:t>，在生成测试集上的分数为</a:t>
+            </a:r>
+            <a:r>
+              <a:rPr b="0" lang="en-US" sz="2200" spc="-1" strike="noStrike">
+                <a:solidFill>
+                  <a:srgbClr val="000000"/>
+                </a:solidFill>
+                <a:latin typeface="Arial"/>
+                <a:ea typeface="DejaVu Sans"/>
+              </a:rPr>
+              <a:t>52.4</a:t>
+            </a:r>
+            <a:r>
+              <a:rPr b="0" lang="zh-CN" sz="2200" spc="-1" strike="noStrike">
+                <a:solidFill>
+                  <a:srgbClr val="000000"/>
+                </a:solidFill>
+                <a:latin typeface="Arial"/>
+                <a:ea typeface="DejaVu Sans"/>
+              </a:rPr>
+              <a:t>。而人工正则最好结果为</a:t>
+            </a:r>
+            <a:r>
+              <a:rPr b="0" lang="en-US" sz="2200" spc="-1" strike="noStrike">
+                <a:solidFill>
+                  <a:srgbClr val="000000"/>
+                </a:solidFill>
+                <a:latin typeface="Arial"/>
+                <a:ea typeface="DejaVu Sans"/>
+              </a:rPr>
+              <a:t>41</a:t>
+            </a:r>
+            <a:r>
+              <a:rPr b="0" lang="zh-CN" sz="2200" spc="-1" strike="noStrike">
+                <a:solidFill>
+                  <a:srgbClr val="000000"/>
+                </a:solidFill>
+                <a:latin typeface="Arial"/>
+                <a:ea typeface="DejaVu Sans"/>
+              </a:rPr>
+              <a:t>分，还是比人工正则精度更高。</a:t>
+            </a:r>
+            <a:endParaRPr b="0" lang="en-US" sz="2200" spc="-1" strike="noStrike">
+              <a:latin typeface="Arial"/>
+            </a:endParaRPr>
+          </a:p>
+        </p:txBody>
+      </p:sp>
+    </p:spTree>
+  </p:cSld>
+  <mc:AlternateContent>
+    <mc:Choice Requires="p14">
+      <p:transition spd="slow" p14:dur="2000"/>
+    </mc:Choice>
+    <mc:Fallback>
+      <p:transition spd="slow"/>
+    </mc:Fallback>
+  </mc:AlternateContent>
+</p:sld>
+</file>
+
+<file path=ppt/slides/slide11.xml><?xml version="1.0" encoding="utf-8"?>
+<p:sld xmlns:a="http://schemas.openxmlformats.org/drawingml/2006/main" xmlns:p="http://schemas.openxmlformats.org/presentationml/2006/main" xmlns:r="http://schemas.openxmlformats.org/officeDocument/2006/relationships" xmlns:p14="http://schemas.microsoft.com/office/powerpoint/2010/main" xmlns:p15="http://schemas.microsoft.com/office/powerpoint/2012/main" xmlns:mc="http://schemas.openxmlformats.org/markup-compatibility/2006">
+  <p:cSld>
+    <p:spTree>
+      <p:nvGrpSpPr>
+        <p:cNvPr id="1" name=""/>
+        <p:cNvGrpSpPr/>
+        <p:nvPr/>
+      </p:nvGrpSpPr>
+      <p:grpSpPr>
+        <a:xfrm>
+          <a:off x="0" y="0"/>
+          <a:ext cx="0" cy="0"/>
+          <a:chOff x="0" y="0"/>
+          <a:chExt cx="0" cy="0"/>
+        </a:xfrm>
+      </p:grpSpPr>
+      <p:sp>
+        <p:nvSpPr>
+          <p:cNvPr id="143" name="CustomShape 1"/>
+          <p:cNvSpPr/>
+          <p:nvPr/>
+        </p:nvSpPr>
+        <p:spPr>
+          <a:xfrm>
+            <a:off x="504000" y="226080"/>
+            <a:ext cx="9070920" cy="945720"/>
+          </a:xfrm>
+          <a:prstGeom prst="rect">
+            <a:avLst/>
+          </a:prstGeom>
+          <a:noFill/>
+          <a:ln>
+            <a:noFill/>
+          </a:ln>
+        </p:spPr>
+        <p:style>
+          <a:lnRef idx="0"/>
+          <a:fillRef idx="0"/>
+          <a:effectRef idx="0"/>
+          <a:fontRef idx="minor"/>
+        </p:style>
+        <p:txBody>
+          <a:bodyPr lIns="0" rIns="0" tIns="0" bIns="0" anchor="ctr">
+            <a:noAutofit/>
+          </a:bodyPr>
+          <a:p>
+            <a:pPr>
+              <a:lnSpc>
+                <a:spcPct val="100000"/>
+              </a:lnSpc>
+            </a:pPr>
+            <a:r>
+              <a:rPr b="1" lang="zh-CN" sz="4400" spc="-1" strike="noStrike">
+                <a:solidFill>
+                  <a:srgbClr val="000000"/>
+                </a:solidFill>
+                <a:latin typeface="Arial"/>
+                <a:ea typeface="DejaVu Sans"/>
+              </a:rPr>
+              <a:t>未来计划</a:t>
+            </a:r>
+            <a:endParaRPr b="0" lang="en-US" sz="4400" spc="-1" strike="noStrike">
+              <a:latin typeface="Arial"/>
+            </a:endParaRPr>
+          </a:p>
+        </p:txBody>
+      </p:sp>
+      <p:sp>
+        <p:nvSpPr>
+          <p:cNvPr id="144" name="CustomShape 2"/>
+          <p:cNvSpPr/>
+          <p:nvPr/>
+        </p:nvSpPr>
+        <p:spPr>
+          <a:xfrm>
+            <a:off x="621000" y="1649520"/>
+            <a:ext cx="9070920" cy="3287520"/>
+          </a:xfrm>
+          <a:prstGeom prst="rect">
+            <a:avLst/>
+          </a:prstGeom>
+          <a:noFill/>
+          <a:ln>
+            <a:noFill/>
+          </a:ln>
+        </p:spPr>
+        <p:style>
+          <a:lnRef idx="0"/>
+          <a:fillRef idx="0"/>
+          <a:effectRef idx="0"/>
+          <a:fontRef idx="minor"/>
+        </p:style>
+        <p:txBody>
+          <a:bodyPr lIns="0" rIns="0" tIns="0" bIns="0">
+            <a:normAutofit/>
+          </a:bodyPr>
+          <a:p>
+            <a:pPr marL="432000" indent="-323280">
+              <a:lnSpc>
+                <a:spcPct val="100000"/>
+              </a:lnSpc>
+              <a:spcBef>
+                <a:spcPts val="1417"/>
+              </a:spcBef>
+              <a:buClr>
+                <a:srgbClr val="000000"/>
+              </a:buClr>
+              <a:buSzPct val="45000"/>
+              <a:buFont typeface="Wingdings" charset="2"/>
+              <a:buChar char=""/>
+            </a:pPr>
+            <a:r>
+              <a:rPr b="0" lang="zh-CN" sz="3200" spc="-1" strike="noStrike">
+                <a:solidFill>
+                  <a:srgbClr val="000000"/>
+                </a:solidFill>
+                <a:latin typeface="Arial"/>
+                <a:ea typeface="DejaVu Sans"/>
+              </a:rPr>
+              <a:t>优化智能体学习的框架结构</a:t>
+            </a:r>
+            <a:endParaRPr b="0" lang="en-US" sz="3200" spc="-1" strike="noStrike">
+              <a:latin typeface="Arial"/>
+            </a:endParaRPr>
+          </a:p>
+          <a:p>
+            <a:pPr marL="432000" indent="-323280">
+              <a:lnSpc>
+                <a:spcPct val="100000"/>
+              </a:lnSpc>
+              <a:spcBef>
+                <a:spcPts val="1417"/>
+              </a:spcBef>
+              <a:buClr>
+                <a:srgbClr val="000000"/>
+              </a:buClr>
+              <a:buSzPct val="45000"/>
+              <a:buFont typeface="Wingdings" charset="2"/>
+              <a:buChar char=""/>
+            </a:pPr>
+            <a:r>
+              <a:rPr b="0" lang="zh-CN" sz="3200" spc="-1" strike="noStrike">
+                <a:solidFill>
+                  <a:srgbClr val="000000"/>
+                </a:solidFill>
+                <a:latin typeface="Arial"/>
+                <a:ea typeface="DejaVu Sans"/>
+              </a:rPr>
+              <a:t>测试不同参数下智能体表现</a:t>
+            </a:r>
+            <a:endParaRPr b="0" lang="en-US" sz="3200" spc="-1" strike="noStrike">
+              <a:latin typeface="Arial"/>
+            </a:endParaRPr>
+          </a:p>
+          <a:p>
+            <a:pPr marL="432000" indent="-323280">
+              <a:lnSpc>
+                <a:spcPct val="100000"/>
+              </a:lnSpc>
+              <a:spcBef>
+                <a:spcPts val="1417"/>
+              </a:spcBef>
+              <a:buClr>
+                <a:srgbClr val="000000"/>
+              </a:buClr>
+              <a:buSzPct val="45000"/>
+              <a:buFont typeface="Wingdings" charset="2"/>
+              <a:buChar char=""/>
+            </a:pPr>
+            <a:r>
+              <a:rPr b="0" lang="zh-CN" sz="3200" spc="-1" strike="noStrike">
+                <a:solidFill>
+                  <a:srgbClr val="000000"/>
+                </a:solidFill>
+                <a:latin typeface="Arial"/>
+                <a:ea typeface="DejaVu Sans"/>
+              </a:rPr>
+              <a:t>测试数据集的调整</a:t>
+            </a:r>
+            <a:endParaRPr b="0" lang="en-US" sz="3200" spc="-1" strike="noStrike">
+              <a:latin typeface="Arial"/>
+            </a:endParaRPr>
+          </a:p>
+        </p:txBody>
+      </p:sp>
+    </p:spTree>
+  </p:cSld>
+  <mc:AlternateContent>
+    <mc:Choice Requires="p14">
+      <p:transition spd="slow" p14:dur="2000"/>
+    </mc:Choice>
+    <mc:Fallback>
+      <p:transition spd="slow"/>
+    </mc:Fallback>
+  </mc:AlternateContent>
+</p:sld>
+</file>
+
+<file path=ppt/slides/slide12.xml><?xml version="1.0" encoding="utf-8"?>
+<p:sld xmlns:a="http://schemas.openxmlformats.org/drawingml/2006/main" xmlns:p="http://schemas.openxmlformats.org/presentationml/2006/main" xmlns:r="http://schemas.openxmlformats.org/officeDocument/2006/relationships" xmlns:p14="http://schemas.microsoft.com/office/powerpoint/2010/main" xmlns:p15="http://schemas.microsoft.com/office/powerpoint/2012/main" xmlns:mc="http://schemas.openxmlformats.org/markup-compatibility/2006">
+  <p:cSld>
+    <p:spTree>
+      <p:nvGrpSpPr>
+        <p:cNvPr id="1" name=""/>
+        <p:cNvGrpSpPr/>
+        <p:nvPr/>
+      </p:nvGrpSpPr>
+      <p:grpSpPr>
+        <a:xfrm>
+          <a:off x="0" y="0"/>
+          <a:ext cx="0" cy="0"/>
+          <a:chOff x="0" y="0"/>
+          <a:chExt cx="0" cy="0"/>
+        </a:xfrm>
+      </p:grpSpPr>
+      <p:sp>
+        <p:nvSpPr>
+          <p:cNvPr id="145" name="CustomShape 1"/>
+          <p:cNvSpPr/>
+          <p:nvPr/>
+        </p:nvSpPr>
+        <p:spPr>
+          <a:xfrm>
+            <a:off x="663120" y="1880640"/>
+            <a:ext cx="9070920" cy="945720"/>
+          </a:xfrm>
+          <a:prstGeom prst="rect">
+            <a:avLst/>
+          </a:prstGeom>
+          <a:noFill/>
+          <a:ln>
+            <a:noFill/>
+          </a:ln>
+        </p:spPr>
+        <p:style>
+          <a:lnRef idx="0"/>
+          <a:fillRef idx="0"/>
+          <a:effectRef idx="0"/>
+          <a:fontRef idx="minor"/>
+        </p:style>
+        <p:txBody>
           <a:bodyPr lIns="0" rIns="0" tIns="0" bIns="0" anchor="ctr">
             <a:noAutofit/>
           </a:bodyPr>
@@ -5084,14 +5955,73 @@
               </a:lnSpc>
             </a:pPr>
             <a:r>
+              <a:rPr b="1" lang="zh-CN" sz="4800" spc="-1" strike="noStrike">
+                <a:solidFill>
+                  <a:srgbClr val="000000"/>
+                </a:solidFill>
+                <a:latin typeface="Arial"/>
+                <a:ea typeface="DejaVu Sans"/>
+              </a:rPr>
+              <a:t>谢谢！</a:t>
+            </a:r>
+            <a:endParaRPr b="0" lang="en-US" sz="4800" spc="-1" strike="noStrike">
+              <a:latin typeface="Arial"/>
+            </a:endParaRPr>
+          </a:p>
+        </p:txBody>
+      </p:sp>
+      <p:sp>
+        <p:nvSpPr>
+          <p:cNvPr id="146" name="CustomShape 2"/>
+          <p:cNvSpPr/>
+          <p:nvPr/>
+        </p:nvSpPr>
+        <p:spPr>
+          <a:xfrm>
+            <a:off x="1828800" y="3351240"/>
+            <a:ext cx="6217200" cy="945720"/>
+          </a:xfrm>
+          <a:prstGeom prst="rect">
+            <a:avLst/>
+          </a:prstGeom>
+          <a:noFill/>
+          <a:ln>
+            <a:noFill/>
+          </a:ln>
+        </p:spPr>
+        <p:style>
+          <a:lnRef idx="0"/>
+          <a:fillRef idx="0"/>
+          <a:effectRef idx="0"/>
+          <a:fontRef idx="minor"/>
+        </p:style>
+        <p:txBody>
+          <a:bodyPr lIns="0" rIns="0" tIns="0" bIns="0" anchor="ctr">
+            <a:noAutofit/>
+          </a:bodyPr>
+          <a:p>
+            <a:pPr algn="ctr">
+              <a:lnSpc>
+                <a:spcPct val="100000"/>
+              </a:lnSpc>
+            </a:pPr>
+            <a:r>
               <a:rPr b="1" lang="zh-CN" sz="2000" spc="-1" strike="noStrike">
-                <a:latin typeface="Arial"/>
+                <a:solidFill>
+                  <a:srgbClr val="000000"/>
+                </a:solidFill>
+                <a:latin typeface="Arial"/>
+                <a:ea typeface="DejaVu Sans"/>
               </a:rPr>
               <a:t>联系方式：</a:t>
             </a:r>
             <a:r>
               <a:rPr b="1" lang="en-US" sz="2000" spc="-1" strike="noStrike">
-                <a:latin typeface="Arial"/>
+                <a:solidFill>
+                  <a:srgbClr val="000000"/>
+                </a:solidFill>
+                <a:latin typeface="Arial"/>
+                <a:ea typeface="DejaVu Sans"/>
               </a:rPr>
               <a:t>daxuanzi515@163.com</a:t>
             </a:r>
@@ -5140,7 +6070,7 @@
         <p:spPr>
           <a:xfrm>
             <a:off x="504000" y="226080"/>
-            <a:ext cx="9071280" cy="946080"/>
+            <a:ext cx="9070920" cy="945720"/>
           </a:xfrm>
           <a:prstGeom prst="rect">
             <a:avLst/>
@@ -5168,7 +6098,11 @@
             </a:pPr>
             <a:r>
               <a:rPr b="1" lang="zh-CN" sz="4400" spc="-1" strike="noStrike">
-                <a:latin typeface="Arial"/>
+                <a:solidFill>
+                  <a:srgbClr val="000000"/>
+                </a:solidFill>
+                <a:latin typeface="Arial"/>
+                <a:ea typeface="DejaVu Sans"/>
               </a:rPr>
               <a:t>项目简介</a:t>
             </a:r>
@@ -5187,7 +6121,7 @@
         <p:spPr>
           <a:xfrm>
             <a:off x="365760" y="1558080"/>
-            <a:ext cx="8960760" cy="3287880"/>
+            <a:ext cx="8960400" cy="3287520"/>
           </a:xfrm>
           <a:prstGeom prst="rect">
             <a:avLst/>
@@ -5208,7 +6142,7 @@
             <a:normAutofit/>
           </a:bodyPr>
           <a:p>
-            <a:pPr marL="432000" indent="-323640">
+            <a:pPr marL="432000" indent="-323280">
               <a:lnSpc>
                 <a:spcPct val="100000"/>
               </a:lnSpc>
@@ -5224,13 +6158,21 @@
             </a:pPr>
             <a:r>
               <a:rPr b="1" lang="en-US" sz="2800" spc="-1" strike="noStrike">
-                <a:latin typeface="Arial"/>
+                <a:solidFill>
+                  <a:srgbClr val="000000"/>
+                </a:solidFill>
+                <a:latin typeface="Arial"/>
+                <a:ea typeface="DejaVu Sans"/>
               </a:rPr>
               <a:t>LogParserX</a:t>
             </a:r>
             <a:r>
               <a:rPr b="0" lang="zh-CN" sz="2800" spc="-1" strike="noStrike">
-                <a:latin typeface="Arial"/>
+                <a:solidFill>
+                  <a:srgbClr val="000000"/>
+                </a:solidFill>
+                <a:latin typeface="Arial"/>
+                <a:ea typeface="DejaVu Sans"/>
               </a:rPr>
               <a:t>是一个用于高精度日志规则生成的智能体协作框架，包含智能体学习和结果验证两个主要功能。为了方便测试，同时提供同源测试日志的生成功能。</a:t>
             </a:r>
@@ -5252,7 +6194,7 @@
             </a:endParaRPr>
           </a:p>
           <a:p>
-            <a:pPr marL="432000" indent="-323640">
+            <a:pPr marL="432000" indent="-323280">
               <a:lnSpc>
                 <a:spcPct val="100000"/>
               </a:lnSpc>
@@ -5268,25 +6210,41 @@
             </a:pPr>
             <a:r>
               <a:rPr b="1" lang="zh-CN" sz="2600" spc="-1" strike="noStrike">
-                <a:latin typeface="Arial"/>
+                <a:solidFill>
+                  <a:srgbClr val="000000"/>
+                </a:solidFill>
+                <a:latin typeface="Arial"/>
+                <a:ea typeface="DejaVu Sans"/>
               </a:rPr>
               <a:t>高精度日志规则</a:t>
             </a:r>
             <a:r>
               <a:rPr b="0" lang="zh-CN" sz="2600" spc="-1" strike="noStrike">
-                <a:latin typeface="Arial"/>
+                <a:solidFill>
+                  <a:srgbClr val="000000"/>
+                </a:solidFill>
+                <a:latin typeface="Arial"/>
+                <a:ea typeface="DejaVu Sans"/>
               </a:rPr>
               <a:t>：包含正则表达式并可运行的</a:t>
             </a:r>
             <a:r>
               <a:rPr b="0" lang="en-US" sz="2600" spc="-1" strike="noStrike">
-                <a:latin typeface="Arial"/>
+                <a:solidFill>
+                  <a:srgbClr val="000000"/>
+                </a:solidFill>
+                <a:latin typeface="Arial"/>
+                <a:ea typeface="DejaVu Sans"/>
               </a:rPr>
               <a:t>python</a:t>
             </a:r>
             <a:r>
               <a:rPr b="0" lang="zh-CN" sz="2600" spc="-1" strike="noStrike">
-                <a:latin typeface="Arial"/>
+                <a:solidFill>
+                  <a:srgbClr val="000000"/>
+                </a:solidFill>
+                <a:latin typeface="Arial"/>
+                <a:ea typeface="DejaVu Sans"/>
               </a:rPr>
               <a:t>代码</a:t>
             </a:r>
@@ -5335,7 +6293,7 @@
         <p:spPr>
           <a:xfrm>
             <a:off x="504000" y="226080"/>
-            <a:ext cx="9071280" cy="946080"/>
+            <a:ext cx="9070920" cy="945720"/>
           </a:xfrm>
           <a:prstGeom prst="rect">
             <a:avLst/>
@@ -5363,7 +6321,11 @@
             </a:pPr>
             <a:r>
               <a:rPr b="1" lang="zh-CN" sz="4400" spc="-1" strike="noStrike">
-                <a:latin typeface="Arial"/>
+                <a:solidFill>
+                  <a:srgbClr val="000000"/>
+                </a:solidFill>
+                <a:latin typeface="Arial"/>
+                <a:ea typeface="DejaVu Sans"/>
               </a:rPr>
               <a:t>环境和框架</a:t>
             </a:r>
@@ -5382,7 +6344,7 @@
         <p:spPr>
           <a:xfrm>
             <a:off x="504000" y="1326600"/>
-            <a:ext cx="9071280" cy="3287880"/>
+            <a:ext cx="9070920" cy="3287520"/>
           </a:xfrm>
           <a:prstGeom prst="rect">
             <a:avLst/>
@@ -5403,7 +6365,7 @@
             <a:normAutofit/>
           </a:bodyPr>
           <a:p>
-            <a:pPr marL="432000" indent="-323640">
+            <a:pPr marL="432000" indent="-323280">
               <a:lnSpc>
                 <a:spcPct val="100000"/>
               </a:lnSpc>
@@ -5419,13 +6381,21 @@
             </a:pPr>
             <a:r>
               <a:rPr b="0" lang="en-US" sz="3200" spc="-1" strike="noStrike">
-                <a:latin typeface="Arial"/>
+                <a:solidFill>
+                  <a:srgbClr val="000000"/>
+                </a:solidFill>
+                <a:latin typeface="Arial"/>
+                <a:ea typeface="DejaVu Sans"/>
               </a:rPr>
               <a:t>CrewAI + CrewAI-Tools</a:t>
             </a:r>
             <a:r>
               <a:rPr b="0" lang="zh-CN" sz="3200" spc="-1" strike="noStrike">
-                <a:latin typeface="Arial"/>
+                <a:solidFill>
+                  <a:srgbClr val="000000"/>
+                </a:solidFill>
+                <a:latin typeface="Arial"/>
+                <a:ea typeface="DejaVu Sans"/>
               </a:rPr>
               <a:t>智能体框架</a:t>
             </a:r>
@@ -5434,7 +6404,7 @@
             </a:endParaRPr>
           </a:p>
           <a:p>
-            <a:pPr marL="432000" indent="-323640">
+            <a:pPr marL="432000" indent="-323280">
               <a:lnSpc>
                 <a:spcPct val="100000"/>
               </a:lnSpc>
@@ -5450,7 +6420,11 @@
             </a:pPr>
             <a:r>
               <a:rPr b="0" lang="en-US" sz="3200" spc="-1" strike="noStrike">
-                <a:latin typeface="Arial"/>
+                <a:solidFill>
+                  <a:srgbClr val="000000"/>
+                </a:solidFill>
+                <a:latin typeface="Arial"/>
+                <a:ea typeface="DejaVu Sans"/>
               </a:rPr>
               <a:t>Windows 11 +Ubuntu 20.04 </a:t>
             </a:r>
@@ -5459,7 +6433,7 @@
             </a:endParaRPr>
           </a:p>
           <a:p>
-            <a:pPr marL="432000" indent="-323640">
+            <a:pPr marL="432000" indent="-323280">
               <a:lnSpc>
                 <a:spcPct val="100000"/>
               </a:lnSpc>
@@ -5475,7 +6449,11 @@
             </a:pPr>
             <a:r>
               <a:rPr b="0" lang="en-US" sz="3200" spc="-1" strike="noStrike">
-                <a:latin typeface="Arial"/>
+                <a:solidFill>
+                  <a:srgbClr val="000000"/>
+                </a:solidFill>
+                <a:latin typeface="Arial"/>
+                <a:ea typeface="DejaVu Sans"/>
               </a:rPr>
               <a:t>Docker</a:t>
             </a:r>
@@ -5484,7 +6462,7 @@
             </a:endParaRPr>
           </a:p>
           <a:p>
-            <a:pPr marL="432000" indent="-323640">
+            <a:pPr marL="432000" indent="-323280">
               <a:lnSpc>
                 <a:spcPct val="100000"/>
               </a:lnSpc>
@@ -5500,7 +6478,11 @@
             </a:pPr>
             <a:r>
               <a:rPr b="0" lang="en-US" sz="3200" spc="-1" strike="noStrike">
-                <a:latin typeface="Arial"/>
+                <a:solidFill>
+                  <a:srgbClr val="000000"/>
+                </a:solidFill>
+                <a:latin typeface="Arial"/>
+                <a:ea typeface="DejaVu Sans"/>
               </a:rPr>
               <a:t>Langchain_openai</a:t>
             </a:r>
@@ -5549,7 +6531,7 @@
         <p:spPr>
           <a:xfrm>
             <a:off x="504000" y="226080"/>
-            <a:ext cx="9071280" cy="946080"/>
+            <a:ext cx="9070920" cy="945720"/>
           </a:xfrm>
           <a:prstGeom prst="rect">
             <a:avLst/>
@@ -5577,7 +6559,11 @@
             </a:pPr>
             <a:r>
               <a:rPr b="1" lang="zh-CN" sz="4400" spc="-1" strike="noStrike">
-                <a:latin typeface="Arial"/>
+                <a:solidFill>
+                  <a:srgbClr val="000000"/>
+                </a:solidFill>
+                <a:latin typeface="Arial"/>
+                <a:ea typeface="DejaVu Sans"/>
               </a:rPr>
               <a:t>框架功能</a:t>
             </a:r>
@@ -5589,7 +6575,7 @@
       </p:sp>
       <p:pic>
         <p:nvPicPr>
-          <p:cNvPr id="121" name="" descr=""/>
+          <p:cNvPr id="121" name="图片 120" descr=""/>
           <p:cNvPicPr/>
           <p:nvPr/>
         </p:nvPicPr>
@@ -5600,7 +6586,7 @@
         <p:spPr>
           <a:xfrm>
             <a:off x="6309360" y="91440"/>
-            <a:ext cx="3071880" cy="5343120"/>
+            <a:ext cx="3071520" cy="5342760"/>
           </a:xfrm>
           <a:prstGeom prst="rect">
             <a:avLst/>
@@ -5619,7 +6605,7 @@
         <p:spPr>
           <a:xfrm>
             <a:off x="830520" y="1474560"/>
-            <a:ext cx="5204160" cy="2993400"/>
+            <a:ext cx="5203800" cy="2993040"/>
           </a:xfrm>
           <a:prstGeom prst="rect">
             <a:avLst/>
@@ -5647,19 +6633,31 @@
             </a:pPr>
             <a:r>
               <a:rPr b="1" lang="en-US" sz="2000" spc="-1" strike="noStrike">
-                <a:latin typeface="Arial"/>
+                <a:solidFill>
+                  <a:srgbClr val="000000"/>
+                </a:solidFill>
+                <a:latin typeface="Arial"/>
+                <a:ea typeface="DejaVu Sans"/>
               </a:rPr>
               <a:t>1.</a:t>
             </a:r>
             <a:r>
               <a:rPr b="1" lang="zh-CN" sz="2000" spc="-1" strike="noStrike">
-                <a:latin typeface="Arial"/>
+                <a:solidFill>
+                  <a:srgbClr val="000000"/>
+                </a:solidFill>
+                <a:latin typeface="Arial"/>
+                <a:ea typeface="DejaVu Sans"/>
               </a:rPr>
               <a:t>智能体学习</a:t>
             </a:r>
             <a:r>
               <a:rPr b="0" lang="zh-CN" sz="1800" spc="-1" strike="noStrike">
-                <a:latin typeface="Arial"/>
+                <a:solidFill>
+                  <a:srgbClr val="000000"/>
+                </a:solidFill>
+                <a:latin typeface="Arial"/>
+                <a:ea typeface="DejaVu Sans"/>
               </a:rPr>
               <a:t>：</a:t>
             </a:r>
@@ -5675,31 +6673,71 @@
             </a:pPr>
             <a:r>
               <a:rPr b="0" lang="zh-CN" sz="1800" spc="-1" strike="noStrike">
-                <a:latin typeface="Arial"/>
+                <a:solidFill>
+                  <a:srgbClr val="000000"/>
+                </a:solidFill>
+                <a:latin typeface="Arial"/>
+                <a:ea typeface="DejaVu Sans"/>
+              </a:rPr>
+              <a:t>使用了人工正则和代码模板作为学习的一部分。</a:t>
+            </a:r>
+            <a:endParaRPr b="0" lang="en-US" sz="1800" spc="-1" strike="noStrike">
+              <a:latin typeface="Arial"/>
+            </a:endParaRPr>
+          </a:p>
+          <a:p>
+            <a:pPr>
+              <a:lnSpc>
+                <a:spcPct val="100000"/>
+              </a:lnSpc>
+            </a:pPr>
+            <a:r>
+              <a:rPr b="0" lang="zh-CN" sz="1800" spc="-1" strike="noStrike">
+                <a:solidFill>
+                  <a:srgbClr val="000000"/>
+                </a:solidFill>
+                <a:latin typeface="Arial"/>
+                <a:ea typeface="DejaVu Sans"/>
               </a:rPr>
               <a:t>正则检查员、</a:t>
             </a:r>
             <a:r>
               <a:rPr b="0" lang="en-US" sz="1800" spc="-1" strike="noStrike">
-                <a:latin typeface="Arial"/>
+                <a:solidFill>
+                  <a:srgbClr val="000000"/>
+                </a:solidFill>
+                <a:latin typeface="Arial"/>
+                <a:ea typeface="DejaVu Sans"/>
               </a:rPr>
               <a:t>python</a:t>
             </a:r>
             <a:r>
               <a:rPr b="0" lang="zh-CN" sz="1800" spc="-1" strike="noStrike">
-                <a:latin typeface="Arial"/>
+                <a:solidFill>
+                  <a:srgbClr val="000000"/>
+                </a:solidFill>
+                <a:latin typeface="Arial"/>
+                <a:ea typeface="DejaVu Sans"/>
               </a:rPr>
               <a:t>代码生成专家、验证正则代码专家，默认使用</a:t>
             </a:r>
             <a:r>
               <a:rPr b="0" lang="en-US" sz="1800" spc="-1" strike="noStrike">
-                <a:latin typeface="Arial"/>
+                <a:solidFill>
+                  <a:srgbClr val="000000"/>
+                </a:solidFill>
+                <a:latin typeface="Arial"/>
+                <a:ea typeface="DejaVu Sans"/>
               </a:rPr>
               <a:t>qwen-2.5-72b-instruct</a:t>
             </a:r>
             <a:r>
               <a:rPr b="0" lang="zh-CN" sz="1800" spc="-1" strike="noStrike">
-                <a:latin typeface="Arial"/>
+                <a:solidFill>
+                  <a:srgbClr val="000000"/>
+                </a:solidFill>
+                <a:latin typeface="Arial"/>
+                <a:ea typeface="DejaVu Sans"/>
               </a:rPr>
               <a:t>交互。</a:t>
             </a:r>
@@ -5723,6 +6761,36 @@
                 <a:spcPct val="100000"/>
               </a:lnSpc>
             </a:pPr>
+            <a:r>
+              <a:rPr b="1" lang="en-US" sz="2000" spc="-1" strike="noStrike">
+                <a:solidFill>
+                  <a:srgbClr val="000000"/>
+                </a:solidFill>
+                <a:latin typeface="Arial"/>
+                <a:ea typeface="DejaVu Sans"/>
+              </a:rPr>
+              <a:t>2.</a:t>
+            </a:r>
+            <a:r>
+              <a:rPr b="1" lang="zh-CN" sz="2000" spc="-1" strike="noStrike">
+                <a:solidFill>
+                  <a:srgbClr val="000000"/>
+                </a:solidFill>
+                <a:latin typeface="Arial"/>
+                <a:ea typeface="DejaVu Sans"/>
+              </a:rPr>
+              <a:t>结果验证</a:t>
+            </a:r>
+            <a:r>
+              <a:rPr b="0" lang="zh-CN" sz="1800" spc="-1" strike="noStrike">
+                <a:solidFill>
+                  <a:srgbClr val="000000"/>
+                </a:solidFill>
+                <a:latin typeface="Arial"/>
+                <a:ea typeface="DejaVu Sans"/>
+              </a:rPr>
+              <a:t>：</a:t>
+            </a:r>
             <a:endParaRPr b="0" lang="en-US" sz="1800" spc="-1" strike="noStrike">
               <a:latin typeface="Arial"/>
             </a:endParaRPr>
@@ -5734,22 +6802,14 @@
               </a:lnSpc>
             </a:pPr>
             <a:r>
-              <a:rPr b="1" lang="en-US" sz="2000" spc="-1" strike="noStrike">
-                <a:latin typeface="Arial"/>
-              </a:rPr>
-              <a:t>2.</a:t>
-            </a:r>
-            <a:r>
-              <a:rPr b="1" lang="zh-CN" sz="2000" spc="-1" strike="noStrike">
-                <a:latin typeface="Arial"/>
-              </a:rPr>
-              <a:t>结果验证</a:t>
-            </a:r>
-            <a:r>
               <a:rPr b="0" lang="zh-CN" sz="1800" spc="-1" strike="noStrike">
-                <a:latin typeface="Arial"/>
-              </a:rPr>
-              <a:t>：</a:t>
+                <a:solidFill>
+                  <a:srgbClr val="000000"/>
+                </a:solidFill>
+                <a:latin typeface="Arial"/>
+                <a:ea typeface="DejaVu Sans"/>
+              </a:rPr>
+              <a:t>使用提取器从智能体学习结果里提取规则，</a:t>
             </a:r>
             <a:endParaRPr b="0" lang="en-US" sz="1800" spc="-1" strike="noStrike">
               <a:latin typeface="Arial"/>
@@ -5763,9 +6823,13 @@
             </a:pPr>
             <a:r>
               <a:rPr b="0" lang="zh-CN" sz="1800" spc="-1" strike="noStrike">
-                <a:latin typeface="Arial"/>
-              </a:rPr>
-              <a:t>使用提取器从智能体学习结果里提取规则，</a:t>
+                <a:solidFill>
+                  <a:srgbClr val="000000"/>
+                </a:solidFill>
+                <a:latin typeface="Arial"/>
+                <a:ea typeface="DejaVu Sans"/>
+              </a:rPr>
+              <a:t>使用日志派生专家用于生成测试集，</a:t>
             </a:r>
             <a:endParaRPr b="0" lang="en-US" sz="1800" spc="-1" strike="noStrike">
               <a:latin typeface="Arial"/>
@@ -5779,23 +6843,11 @@
             </a:pPr>
             <a:r>
               <a:rPr b="0" lang="zh-CN" sz="1800" spc="-1" strike="noStrike">
-                <a:latin typeface="Arial"/>
-              </a:rPr>
-              <a:t>使用日志派生专家用于生成测试集，</a:t>
-            </a:r>
-            <a:endParaRPr b="0" lang="en-US" sz="1800" spc="-1" strike="noStrike">
-              <a:latin typeface="Arial"/>
-            </a:endParaRPr>
-          </a:p>
-          <a:p>
-            <a:pPr>
-              <a:lnSpc>
-                <a:spcPct val="100000"/>
-              </a:lnSpc>
-            </a:pPr>
-            <a:r>
-              <a:rPr b="0" lang="zh-CN" sz="1800" spc="-1" strike="noStrike">
-                <a:latin typeface="Arial"/>
+                <a:solidFill>
+                  <a:srgbClr val="000000"/>
+                </a:solidFill>
+                <a:latin typeface="Arial"/>
+                <a:ea typeface="DejaVu Sans"/>
               </a:rPr>
               <a:t>嵌入规则里进行验证。</a:t>
             </a:r>
@@ -5844,7 +6896,7 @@
         <p:spPr>
           <a:xfrm>
             <a:off x="504000" y="226080"/>
-            <a:ext cx="9071280" cy="946080"/>
+            <a:ext cx="9070920" cy="945720"/>
           </a:xfrm>
           <a:prstGeom prst="rect">
             <a:avLst/>
@@ -5872,7 +6924,11 @@
             </a:pPr>
             <a:r>
               <a:rPr b="1" lang="zh-CN" sz="4400" spc="-1" strike="noStrike">
-                <a:latin typeface="Arial"/>
+                <a:solidFill>
+                  <a:srgbClr val="000000"/>
+                </a:solidFill>
+                <a:latin typeface="Arial"/>
+                <a:ea typeface="DejaVu Sans"/>
               </a:rPr>
               <a:t>工作流</a:t>
             </a:r>
@@ -5884,7 +6940,7 @@
       </p:sp>
       <p:pic>
         <p:nvPicPr>
-          <p:cNvPr id="124" name="" descr=""/>
+          <p:cNvPr id="124" name="图片 123" descr=""/>
           <p:cNvPicPr/>
           <p:nvPr/>
         </p:nvPicPr>
@@ -5895,7 +6951,7 @@
         <p:spPr>
           <a:xfrm>
             <a:off x="5394960" y="285480"/>
-            <a:ext cx="3695040" cy="5017680"/>
+            <a:ext cx="3694680" cy="5017320"/>
           </a:xfrm>
           <a:prstGeom prst="rect">
             <a:avLst/>
@@ -5914,7 +6970,7 @@
         <p:spPr>
           <a:xfrm>
             <a:off x="457200" y="1371600"/>
-            <a:ext cx="4114440" cy="3853800"/>
+            <a:ext cx="4114080" cy="3853440"/>
           </a:xfrm>
           <a:prstGeom prst="rect">
             <a:avLst/>
@@ -5942,13 +6998,21 @@
             </a:pPr>
             <a:r>
               <a:rPr b="1" lang="en-US" sz="2000" spc="-1" strike="noStrike">
-                <a:latin typeface="Arial"/>
+                <a:solidFill>
+                  <a:srgbClr val="000000"/>
+                </a:solidFill>
+                <a:latin typeface="Arial"/>
+                <a:ea typeface="DejaVu Sans"/>
               </a:rPr>
               <a:t>A.</a:t>
             </a:r>
             <a:r>
               <a:rPr b="1" lang="zh-CN" sz="2000" spc="-1" strike="noStrike">
-                <a:latin typeface="Arial"/>
+                <a:solidFill>
+                  <a:srgbClr val="000000"/>
+                </a:solidFill>
+                <a:latin typeface="Arial"/>
+                <a:ea typeface="DejaVu Sans"/>
               </a:rPr>
               <a:t>智能体学习</a:t>
             </a:r>
@@ -5957,7 +7021,7 @@
             </a:endParaRPr>
           </a:p>
           <a:p>
-            <a:pPr marL="432000" indent="-323640">
+            <a:pPr marL="432000" indent="-323280">
               <a:lnSpc>
                 <a:spcPct val="100000"/>
               </a:lnSpc>
@@ -5973,7 +7037,11 @@
             </a:pPr>
             <a:r>
               <a:rPr b="0" lang="zh-CN" sz="2000" spc="-1" strike="noStrike">
-                <a:latin typeface="Arial"/>
+                <a:solidFill>
+                  <a:srgbClr val="000000"/>
+                </a:solidFill>
+                <a:latin typeface="Arial"/>
+                <a:ea typeface="DejaVu Sans"/>
               </a:rPr>
               <a:t>生成正则表达式</a:t>
             </a:r>
@@ -5982,7 +7050,7 @@
             </a:endParaRPr>
           </a:p>
           <a:p>
-            <a:pPr marL="432000" indent="-323640">
+            <a:pPr marL="432000" indent="-323280">
               <a:lnSpc>
                 <a:spcPct val="100000"/>
               </a:lnSpc>
@@ -5998,7 +7066,11 @@
             </a:pPr>
             <a:r>
               <a:rPr b="0" lang="zh-CN" sz="2000" spc="-1" strike="noStrike">
-                <a:latin typeface="Arial"/>
+                <a:solidFill>
+                  <a:srgbClr val="000000"/>
+                </a:solidFill>
+                <a:latin typeface="Arial"/>
+                <a:ea typeface="DejaVu Sans"/>
               </a:rPr>
               <a:t>生成代码块</a:t>
             </a:r>
@@ -6007,7 +7079,7 @@
             </a:endParaRPr>
           </a:p>
           <a:p>
-            <a:pPr marL="432000" indent="-323640">
+            <a:pPr marL="432000" indent="-323280">
               <a:lnSpc>
                 <a:spcPct val="100000"/>
               </a:lnSpc>
@@ -6023,7 +7095,11 @@
             </a:pPr>
             <a:r>
               <a:rPr b="0" lang="zh-CN" sz="2000" spc="-1" strike="noStrike">
-                <a:latin typeface="Arial"/>
+                <a:solidFill>
+                  <a:srgbClr val="000000"/>
+                </a:solidFill>
+                <a:latin typeface="Arial"/>
+                <a:ea typeface="DejaVu Sans"/>
               </a:rPr>
               <a:t>生成优化报告</a:t>
             </a:r>
@@ -6049,13 +7125,21 @@
             </a:pPr>
             <a:r>
               <a:rPr b="1" lang="en-US" sz="2000" spc="-1" strike="noStrike">
-                <a:latin typeface="Arial"/>
+                <a:solidFill>
+                  <a:srgbClr val="000000"/>
+                </a:solidFill>
+                <a:latin typeface="Arial"/>
+                <a:ea typeface="DejaVu Sans"/>
               </a:rPr>
               <a:t>B. </a:t>
             </a:r>
             <a:r>
               <a:rPr b="1" lang="zh-CN" sz="2000" spc="-1" strike="noStrike">
-                <a:latin typeface="Arial"/>
+                <a:solidFill>
+                  <a:srgbClr val="000000"/>
+                </a:solidFill>
+                <a:latin typeface="Arial"/>
+                <a:ea typeface="DejaVu Sans"/>
               </a:rPr>
               <a:t>结果验证</a:t>
             </a:r>
@@ -6064,7 +7148,7 @@
             </a:endParaRPr>
           </a:p>
           <a:p>
-            <a:pPr marL="432000" indent="-323640">
+            <a:pPr marL="432000" indent="-323280">
               <a:lnSpc>
                 <a:spcPct val="100000"/>
               </a:lnSpc>
@@ -6080,7 +7164,11 @@
             </a:pPr>
             <a:r>
               <a:rPr b="0" lang="zh-CN" sz="2000" spc="-1" strike="noStrike">
-                <a:latin typeface="Arial"/>
+                <a:solidFill>
+                  <a:srgbClr val="000000"/>
+                </a:solidFill>
+                <a:latin typeface="Arial"/>
+                <a:ea typeface="DejaVu Sans"/>
               </a:rPr>
               <a:t>提取优化代码</a:t>
             </a:r>
@@ -6089,7 +7177,7 @@
             </a:endParaRPr>
           </a:p>
           <a:p>
-            <a:pPr marL="432000" indent="-323640">
+            <a:pPr marL="432000" indent="-323280">
               <a:lnSpc>
                 <a:spcPct val="100000"/>
               </a:lnSpc>
@@ -6105,7 +7193,11 @@
             </a:pPr>
             <a:r>
               <a:rPr b="0" lang="zh-CN" sz="2000" spc="-1" strike="noStrike">
-                <a:latin typeface="Arial"/>
+                <a:solidFill>
+                  <a:srgbClr val="000000"/>
+                </a:solidFill>
+                <a:latin typeface="Arial"/>
+                <a:ea typeface="DejaVu Sans"/>
               </a:rPr>
               <a:t>嵌入测试</a:t>
             </a:r>
@@ -6124,7 +7216,7 @@
         <p:spPr>
           <a:xfrm>
             <a:off x="5394960" y="285480"/>
-            <a:ext cx="1603080" cy="420840"/>
+            <a:ext cx="1602720" cy="420480"/>
           </a:xfrm>
           <a:prstGeom prst="rect">
             <a:avLst/>
@@ -6152,13 +7244,21 @@
             </a:pPr>
             <a:r>
               <a:rPr b="1" lang="en-US" sz="1800" spc="-1" strike="noStrike">
-                <a:latin typeface="Arial"/>
+                <a:solidFill>
+                  <a:srgbClr val="000000"/>
+                </a:solidFill>
+                <a:latin typeface="Arial"/>
+                <a:ea typeface="DejaVu Sans"/>
               </a:rPr>
               <a:t>A.</a:t>
             </a:r>
             <a:r>
               <a:rPr b="1" lang="zh-CN" sz="1800" spc="-1" strike="noStrike">
-                <a:latin typeface="Arial"/>
+                <a:solidFill>
+                  <a:srgbClr val="000000"/>
+                </a:solidFill>
+                <a:latin typeface="Arial"/>
+                <a:ea typeface="DejaVu Sans"/>
               </a:rPr>
               <a:t>智能体学习</a:t>
             </a:r>
@@ -6177,7 +7277,7 @@
         <p:spPr>
           <a:xfrm>
             <a:off x="5303520" y="3383280"/>
-            <a:ext cx="4114440" cy="1828440"/>
+            <a:ext cx="4114080" cy="1828080"/>
           </a:xfrm>
           <a:custGeom>
             <a:avLst/>
@@ -6303,7 +7403,7 @@
         <p:spPr>
           <a:xfrm>
             <a:off x="5394960" y="3510720"/>
-            <a:ext cx="1374480" cy="420840"/>
+            <a:ext cx="1374120" cy="420480"/>
           </a:xfrm>
           <a:prstGeom prst="rect">
             <a:avLst/>
@@ -6331,13 +7431,21 @@
             </a:pPr>
             <a:r>
               <a:rPr b="1" lang="en-US" sz="1800" spc="-1" strike="noStrike">
-                <a:latin typeface="Arial"/>
+                <a:solidFill>
+                  <a:srgbClr val="000000"/>
+                </a:solidFill>
+                <a:latin typeface="Arial"/>
+                <a:ea typeface="DejaVu Sans"/>
               </a:rPr>
               <a:t>B.</a:t>
             </a:r>
             <a:r>
               <a:rPr b="1" lang="zh-CN" sz="1800" spc="-1" strike="noStrike">
-                <a:latin typeface="Arial"/>
+                <a:solidFill>
+                  <a:srgbClr val="000000"/>
+                </a:solidFill>
+                <a:latin typeface="Arial"/>
+                <a:ea typeface="DejaVu Sans"/>
               </a:rPr>
               <a:t>结果验证</a:t>
             </a:r>
@@ -6356,7 +7464,7 @@
         <p:spPr>
           <a:xfrm>
             <a:off x="5212080" y="226080"/>
-            <a:ext cx="4297320" cy="2834280"/>
+            <a:ext cx="4296960" cy="2833920"/>
           </a:xfrm>
           <a:custGeom>
             <a:avLst/>
@@ -6503,68 +7611,9 @@
           <a:chExt cx="0" cy="0"/>
         </a:xfrm>
       </p:grpSpPr>
-      <p:sp>
-        <p:nvSpPr>
-          <p:cNvPr id="130" name="CustomShape 1"/>
-          <p:cNvSpPr/>
-          <p:nvPr/>
-        </p:nvSpPr>
-        <p:spPr>
-          <a:xfrm>
-            <a:off x="504000" y="226080"/>
-            <a:ext cx="9071280" cy="946080"/>
-          </a:xfrm>
-          <a:prstGeom prst="rect">
-            <a:avLst/>
-          </a:prstGeom>
-          <a:noFill/>
-          <a:ln>
-            <a:noFill/>
-          </a:ln>
-        </p:spPr>
-        <p:style>
-          <a:lnRef idx="0"/>
-          <a:fillRef idx="0"/>
-          <a:effectRef idx="0"/>
-          <a:fontRef idx="minor"/>
-        </p:style>
-        <p:txBody>
-          <a:bodyPr lIns="0" rIns="0" tIns="0" bIns="0" anchor="ctr">
-            <a:noAutofit/>
-          </a:bodyPr>
-          <a:p>
-            <a:pPr>
-              <a:lnSpc>
-                <a:spcPct val="100000"/>
-              </a:lnSpc>
-            </a:pPr>
-            <a:r>
-              <a:rPr b="1" lang="zh-CN" sz="4400" spc="-1" strike="noStrike">
-                <a:latin typeface="Arial"/>
-              </a:rPr>
-              <a:t>实验结果</a:t>
-            </a:r>
-            <a:r>
-              <a:rPr b="1" lang="en-US" sz="4400" spc="-1" strike="noStrike">
-                <a:latin typeface="Arial"/>
-              </a:rPr>
-              <a:t>- </a:t>
-            </a:r>
-            <a:r>
-              <a:rPr b="1" lang="zh-CN" sz="4400" spc="-1" strike="noStrike">
-                <a:latin typeface="Arial"/>
-              </a:rPr>
-              <a:t>人工正则</a:t>
-            </a:r>
-            <a:endParaRPr b="0" lang="en-US" sz="4400" spc="-1" strike="noStrike">
-              <a:latin typeface="Arial"/>
-            </a:endParaRPr>
-          </a:p>
-        </p:txBody>
-      </p:sp>
       <p:pic>
         <p:nvPicPr>
-          <p:cNvPr id="131" name="" descr=""/>
+          <p:cNvPr id="130" name="图片 3" descr=""/>
           <p:cNvPicPr/>
           <p:nvPr/>
         </p:nvPicPr>
@@ -6574,8 +7623,8 @@
         </p:blipFill>
         <p:spPr>
           <a:xfrm>
-            <a:off x="1737360" y="1546200"/>
-            <a:ext cx="6765480" cy="2293920"/>
+            <a:off x="2326680" y="1172160"/>
+            <a:ext cx="5425560" cy="4053960"/>
           </a:xfrm>
           <a:prstGeom prst="rect">
             <a:avLst/>
@@ -6585,6 +7634,57 @@
           </a:ln>
         </p:spPr>
       </p:pic>
+      <p:sp>
+        <p:nvSpPr>
+          <p:cNvPr id="131" name="CustomShape 1"/>
+          <p:cNvSpPr/>
+          <p:nvPr/>
+        </p:nvSpPr>
+        <p:spPr>
+          <a:xfrm>
+            <a:off x="504000" y="226080"/>
+            <a:ext cx="9070920" cy="945720"/>
+          </a:xfrm>
+          <a:prstGeom prst="rect">
+            <a:avLst/>
+          </a:prstGeom>
+          <a:noFill/>
+          <a:ln>
+            <a:noFill/>
+          </a:ln>
+        </p:spPr>
+        <p:style>
+          <a:lnRef idx="0"/>
+          <a:fillRef idx="0"/>
+          <a:effectRef idx="0"/>
+          <a:fontRef idx="minor"/>
+        </p:style>
+        <p:txBody>
+          <a:bodyPr lIns="0" rIns="0" tIns="0" bIns="0" anchor="ctr">
+            <a:noAutofit/>
+          </a:bodyPr>
+          <a:p>
+            <a:pPr>
+              <a:lnSpc>
+                <a:spcPct val="100000"/>
+              </a:lnSpc>
+            </a:pPr>
+            <a:r>
+              <a:rPr b="1" lang="zh-CN" sz="4400" spc="-1" strike="noStrike">
+                <a:solidFill>
+                  <a:srgbClr val="000000"/>
+                </a:solidFill>
+                <a:latin typeface="Arial"/>
+                <a:ea typeface="DejaVu Sans"/>
+              </a:rPr>
+              <a:t>人工知识库</a:t>
+            </a:r>
+            <a:endParaRPr b="0" lang="en-US" sz="4400" spc="-1" strike="noStrike">
+              <a:latin typeface="Arial"/>
+            </a:endParaRPr>
+          </a:p>
+        </p:txBody>
+      </p:sp>
     </p:spTree>
   </p:cSld>
   <mc:AlternateContent>
@@ -6615,62 +7715,9 @@
           <a:chExt cx="0" cy="0"/>
         </a:xfrm>
       </p:grpSpPr>
-      <p:sp>
-        <p:nvSpPr>
-          <p:cNvPr id="132" name="CustomShape 1"/>
-          <p:cNvSpPr/>
-          <p:nvPr/>
-        </p:nvSpPr>
-        <p:spPr>
-          <a:xfrm>
-            <a:off x="504000" y="226080"/>
-            <a:ext cx="9071280" cy="946080"/>
-          </a:xfrm>
-          <a:prstGeom prst="rect">
-            <a:avLst/>
-          </a:prstGeom>
-          <a:noFill/>
-          <a:ln>
-            <a:noFill/>
-          </a:ln>
-        </p:spPr>
-        <p:style>
-          <a:lnRef idx="0"/>
-          <a:fillRef idx="0"/>
-          <a:effectRef idx="0"/>
-          <a:fontRef idx="minor"/>
-        </p:style>
-        <p:txBody>
-          <a:bodyPr lIns="0" rIns="0" tIns="0" bIns="0" anchor="ctr">
-            <a:noAutofit/>
-          </a:bodyPr>
-          <a:p>
-            <a:pPr>
-              <a:lnSpc>
-                <a:spcPct val="100000"/>
-              </a:lnSpc>
-            </a:pPr>
-            <a:r>
-              <a:rPr b="1" lang="zh-CN" sz="4400" spc="-1" strike="noStrike">
-                <a:latin typeface="Arial"/>
-              </a:rPr>
-              <a:t>实验结果</a:t>
-            </a:r>
-            <a:r>
-              <a:rPr b="1" lang="en-US" sz="4400" spc="-1" strike="noStrike">
-                <a:latin typeface="Arial"/>
-              </a:rPr>
-              <a:t>- LogParserX</a:t>
-            </a:r>
-            <a:endParaRPr b="0" lang="en-US" sz="4400" spc="-1" strike="noStrike">
-              <a:latin typeface="Arial"/>
-            </a:endParaRPr>
-          </a:p>
-        </p:txBody>
-      </p:sp>
       <p:pic>
         <p:nvPicPr>
-          <p:cNvPr id="133" name="" descr=""/>
+          <p:cNvPr id="132" name="图片 3" descr=""/>
           <p:cNvPicPr/>
           <p:nvPr/>
         </p:nvPicPr>
@@ -6680,8 +7727,8 @@
         </p:blipFill>
         <p:spPr>
           <a:xfrm>
-            <a:off x="1558080" y="2560320"/>
-            <a:ext cx="6397200" cy="2743200"/>
+            <a:off x="4156200" y="362520"/>
+            <a:ext cx="5196960" cy="4899600"/>
           </a:xfrm>
           <a:prstGeom prst="rect">
             <a:avLst/>
@@ -6691,30 +7738,108 @@
           </a:ln>
         </p:spPr>
       </p:pic>
-      <p:pic>
-        <p:nvPicPr>
-          <p:cNvPr id="134" name="" descr=""/>
-          <p:cNvPicPr/>
+      <p:sp>
+        <p:nvSpPr>
+          <p:cNvPr id="133" name="CustomShape 1"/>
+          <p:cNvSpPr/>
           <p:nvPr/>
-        </p:nvPicPr>
-        <p:blipFill>
-          <a:blip r:embed="rId2"/>
-          <a:srcRect l="0" t="4388" r="0" b="3795"/>
-          <a:stretch/>
-        </p:blipFill>
-        <p:spPr>
-          <a:xfrm>
-            <a:off x="1645920" y="1172160"/>
-            <a:ext cx="6199920" cy="1157040"/>
-          </a:xfrm>
-          <a:prstGeom prst="rect">
-            <a:avLst/>
-          </a:prstGeom>
+        </p:nvSpPr>
+        <p:spPr>
+          <a:xfrm>
+            <a:off x="504000" y="226080"/>
+            <a:ext cx="9070920" cy="945720"/>
+          </a:xfrm>
+          <a:prstGeom prst="rect">
+            <a:avLst/>
+          </a:prstGeom>
+          <a:noFill/>
           <a:ln>
             <a:noFill/>
           </a:ln>
         </p:spPr>
-      </p:pic>
+        <p:style>
+          <a:lnRef idx="0"/>
+          <a:fillRef idx="0"/>
+          <a:effectRef idx="0"/>
+          <a:fontRef idx="minor"/>
+        </p:style>
+        <p:txBody>
+          <a:bodyPr lIns="0" rIns="0" tIns="0" bIns="0" anchor="ctr">
+            <a:noAutofit/>
+          </a:bodyPr>
+          <a:p>
+            <a:pPr>
+              <a:lnSpc>
+                <a:spcPct val="100000"/>
+              </a:lnSpc>
+            </a:pPr>
+            <a:r>
+              <a:rPr b="1" lang="zh-CN" sz="4400" spc="-1" strike="noStrike">
+                <a:solidFill>
+                  <a:srgbClr val="000000"/>
+                </a:solidFill>
+                <a:latin typeface="Arial"/>
+                <a:ea typeface="DejaVu Sans"/>
+              </a:rPr>
+              <a:t>生成测试集</a:t>
+            </a:r>
+            <a:endParaRPr b="0" lang="en-US" sz="4400" spc="-1" strike="noStrike">
+              <a:latin typeface="Arial"/>
+            </a:endParaRPr>
+          </a:p>
+        </p:txBody>
+      </p:sp>
+      <p:sp>
+        <p:nvSpPr>
+          <p:cNvPr id="134" name="CustomShape 2"/>
+          <p:cNvSpPr/>
+          <p:nvPr/>
+        </p:nvSpPr>
+        <p:spPr>
+          <a:xfrm>
+            <a:off x="396720" y="2453760"/>
+            <a:ext cx="3866400" cy="898920"/>
+          </a:xfrm>
+          <a:prstGeom prst="rect">
+            <a:avLst/>
+          </a:prstGeom>
+          <a:noFill/>
+          <a:ln>
+            <a:noFill/>
+          </a:ln>
+        </p:spPr>
+        <p:style>
+          <a:lnRef idx="0"/>
+          <a:fillRef idx="0"/>
+          <a:effectRef idx="0"/>
+          <a:fontRef idx="minor"/>
+        </p:style>
+        <p:txBody>
+          <a:bodyPr lIns="90000" rIns="90000" tIns="45000" bIns="45000">
+            <a:noAutofit/>
+          </a:bodyPr>
+          <a:p>
+            <a:pPr>
+              <a:lnSpc>
+                <a:spcPct val="100000"/>
+              </a:lnSpc>
+            </a:pPr>
+            <a:r>
+              <a:rPr b="0" lang="zh-CN" sz="1800" spc="-1" strike="noStrike">
+                <a:solidFill>
+                  <a:srgbClr val="000000"/>
+                </a:solidFill>
+                <a:latin typeface="Arial"/>
+                <a:ea typeface="DejaVu Sans"/>
+              </a:rPr>
+              <a:t>该部分使用单个智能体生成测试集，要求生成与给定日志同源的新的测试日志，结构一致但是内容不同。</a:t>
+            </a:r>
+            <a:endParaRPr b="0" lang="en-US" sz="1800" spc="-1" strike="noStrike">
+              <a:latin typeface="Arial"/>
+            </a:endParaRPr>
+          </a:p>
+        </p:txBody>
+      </p:sp>
     </p:spTree>
   </p:cSld>
   <mc:AlternateContent>
@@ -6754,7 +7879,7 @@
         <p:spPr>
           <a:xfrm>
             <a:off x="504000" y="226080"/>
-            <a:ext cx="9071280" cy="946080"/>
+            <a:ext cx="9070920" cy="945720"/>
           </a:xfrm>
           <a:prstGeom prst="rect">
             <a:avLst/>
@@ -6782,9 +7907,43 @@
             </a:pPr>
             <a:r>
               <a:rPr b="1" lang="zh-CN" sz="4400" spc="-1" strike="noStrike">
-                <a:latin typeface="Arial"/>
-              </a:rPr>
-              <a:t>结论</a:t>
+                <a:solidFill>
+                  <a:srgbClr val="000000"/>
+                </a:solidFill>
+                <a:latin typeface="Arial"/>
+                <a:ea typeface="DejaVu Sans"/>
+              </a:rPr>
+              <a:t>实验结果</a:t>
+            </a:r>
+            <a:r>
+              <a:rPr b="1" lang="en-US" sz="4400" spc="-1" strike="noStrike">
+                <a:solidFill>
+                  <a:srgbClr val="000000"/>
+                </a:solidFill>
+                <a:latin typeface="Arial"/>
+                <a:ea typeface="DejaVu Sans"/>
+              </a:rPr>
+              <a:t> </a:t>
+            </a:r>
+            <a:r>
+              <a:rPr b="1" lang="en-US" sz="4400" spc="-1" strike="noStrike">
+                <a:solidFill>
+                  <a:srgbClr val="000000"/>
+                </a:solidFill>
+                <a:latin typeface="Arial"/>
+                <a:ea typeface="DejaVu Sans"/>
+              </a:rPr>
+              <a:t>- </a:t>
+            </a:r>
+            <a:r>
+              <a:rPr b="1" lang="zh-CN" sz="4400" spc="-1" strike="noStrike">
+                <a:solidFill>
+                  <a:srgbClr val="000000"/>
+                </a:solidFill>
+                <a:latin typeface="Arial"/>
+                <a:ea typeface="DejaVu Sans"/>
+              </a:rPr>
+              <a:t>人工正则</a:t>
             </a:r>
             <a:endParaRPr b="0" lang="en-US" sz="4400" spc="-1" strike="noStrike">
               <a:latin typeface="Arial"/>
@@ -6792,16 +7951,39 @@
           </a:p>
         </p:txBody>
       </p:sp>
-      <p:sp>
-        <p:nvSpPr>
-          <p:cNvPr id="136" name="CustomShape 2"/>
+      <p:pic>
+        <p:nvPicPr>
+          <p:cNvPr id="136" name="图片 130" descr=""/>
+          <p:cNvPicPr/>
+          <p:nvPr/>
+        </p:nvPicPr>
+        <p:blipFill>
+          <a:blip r:embed="rId1"/>
+          <a:stretch/>
+        </p:blipFill>
+        <p:spPr>
+          <a:xfrm>
+            <a:off x="1737360" y="1546200"/>
+            <a:ext cx="6765120" cy="2293560"/>
+          </a:xfrm>
+          <a:prstGeom prst="rect">
+            <a:avLst/>
+          </a:prstGeom>
+          <a:ln>
+            <a:noFill/>
+          </a:ln>
+        </p:spPr>
+      </p:pic>
+      <p:sp>
+        <p:nvSpPr>
+          <p:cNvPr id="137" name="CustomShape 2"/>
           <p:cNvSpPr/>
           <p:nvPr/>
         </p:nvSpPr>
         <p:spPr>
           <a:xfrm>
-            <a:off x="731520" y="1554480"/>
-            <a:ext cx="8595000" cy="2559960"/>
+            <a:off x="1699920" y="4275000"/>
+            <a:ext cx="6107400" cy="364680"/>
           </a:xfrm>
           <a:prstGeom prst="rect">
             <a:avLst/>
@@ -6818,8 +8000,8 @@
           <a:fontRef idx="minor"/>
         </p:style>
         <p:txBody>
-          <a:bodyPr lIns="90000" rIns="90000" tIns="45000" bIns="45000">
-            <a:noAutofit/>
+          <a:bodyPr wrap="none" lIns="90000" rIns="90000" tIns="45000" bIns="45000">
+            <a:spAutoFit/>
           </a:bodyPr>
           <a:p>
             <a:pPr>
@@ -6828,66 +8010,56 @@
               </a:lnSpc>
             </a:pPr>
             <a:r>
-              <a:rPr b="0" lang="en-US" sz="2200" spc="-1" strike="noStrike">
-                <a:latin typeface="Arial"/>
-              </a:rPr>
-              <a:t>LogParserX</a:t>
-            </a:r>
-            <a:r>
-              <a:rPr b="0" lang="zh-CN" sz="2200" spc="-1" strike="noStrike">
-                <a:latin typeface="Arial"/>
-              </a:rPr>
-              <a:t>在提升官方完全匹配率上效果很好，而且在覆盖率测试上虽然没有人工的效果好，但是也达到了一定的合格度。综合分析得到，</a:t>
-            </a:r>
-            <a:r>
-              <a:rPr b="0" lang="en-US" sz="2200" spc="-1" strike="noStrike">
-                <a:latin typeface="Arial"/>
-              </a:rPr>
-              <a:t>LogParserX</a:t>
-            </a:r>
-            <a:r>
-              <a:rPr b="0" lang="zh-CN" sz="2200" spc="-1" strike="noStrike">
-                <a:latin typeface="Arial"/>
-              </a:rPr>
-              <a:t>在开发集上的平均分数为</a:t>
-            </a:r>
-            <a:r>
-              <a:rPr b="0" lang="en-US" sz="2200" spc="-1" strike="noStrike">
-                <a:latin typeface="Arial"/>
-              </a:rPr>
-              <a:t>53.6</a:t>
-            </a:r>
-            <a:r>
-              <a:rPr b="0" lang="zh-CN" sz="2200" spc="-1" strike="noStrike">
-                <a:latin typeface="Arial"/>
-              </a:rPr>
-              <a:t>，在生成测试集上的分数为</a:t>
-            </a:r>
-            <a:r>
-              <a:rPr b="0" lang="en-US" sz="2200" spc="-1" strike="noStrike">
-                <a:latin typeface="Arial"/>
-              </a:rPr>
-              <a:t>52.4</a:t>
-            </a:r>
-            <a:r>
-              <a:rPr b="0" lang="zh-CN" sz="2200" spc="-1" strike="noStrike">
-                <a:latin typeface="Arial"/>
-              </a:rPr>
-              <a:t>。而人工正则最好结果为</a:t>
-            </a:r>
-            <a:r>
-              <a:rPr b="0" lang="en-US" sz="2200" spc="-1" strike="noStrike">
-                <a:latin typeface="Arial"/>
-              </a:rPr>
-              <a:t>41</a:t>
-            </a:r>
-            <a:r>
-              <a:rPr b="0" lang="zh-CN" sz="2200" spc="-1" strike="noStrike">
-                <a:latin typeface="Arial"/>
-              </a:rPr>
-              <a:t>分，还是比人工正则精度更高。</a:t>
-            </a:r>
-            <a:endParaRPr b="0" lang="en-US" sz="2200" spc="-1" strike="noStrike">
+              <a:rPr b="0" lang="zh-CN" sz="1800" spc="-1" strike="noStrike">
+                <a:solidFill>
+                  <a:srgbClr val="000000"/>
+                </a:solidFill>
+                <a:latin typeface="Arial"/>
+                <a:ea typeface="DejaVu Sans"/>
+              </a:rPr>
+              <a:t>覆盖率是指生成的</a:t>
+            </a:r>
+            <a:r>
+              <a:rPr b="0" lang="en-US" sz="1800" spc="-1" strike="noStrike">
+                <a:solidFill>
+                  <a:srgbClr val="000000"/>
+                </a:solidFill>
+                <a:latin typeface="Arial"/>
+                <a:ea typeface="DejaVu Sans"/>
+              </a:rPr>
+              <a:t>logField</a:t>
+            </a:r>
+            <a:r>
+              <a:rPr b="0" lang="zh-CN" sz="1800" spc="-1" strike="noStrike">
+                <a:solidFill>
+                  <a:srgbClr val="000000"/>
+                </a:solidFill>
+                <a:latin typeface="Arial"/>
+                <a:ea typeface="DejaVu Sans"/>
+              </a:rPr>
+              <a:t>可以覆盖标准</a:t>
+            </a:r>
+            <a:r>
+              <a:rPr b="0" lang="en-US" sz="1800" spc="-1" strike="noStrike">
+                <a:solidFill>
+                  <a:srgbClr val="000000"/>
+                </a:solidFill>
+                <a:latin typeface="Arial"/>
+                <a:ea typeface="DejaVu Sans"/>
+              </a:rPr>
+              <a:t>logField</a:t>
+            </a:r>
+            <a:r>
+              <a:rPr b="0" lang="zh-CN" sz="1800" spc="-1" strike="noStrike">
+                <a:solidFill>
+                  <a:srgbClr val="000000"/>
+                </a:solidFill>
+                <a:latin typeface="Arial"/>
+                <a:ea typeface="DejaVu Sans"/>
+              </a:rPr>
+              <a:t>的比例。</a:t>
+            </a:r>
+            <a:endParaRPr b="0" lang="en-US" sz="1800" spc="-1" strike="noStrike">
               <a:latin typeface="Arial"/>
             </a:endParaRPr>
           </a:p>
@@ -6925,14 +8097,14 @@
       </p:grpSpPr>
       <p:sp>
         <p:nvSpPr>
-          <p:cNvPr id="137" name="CustomShape 1"/>
+          <p:cNvPr id="138" name="CustomShape 1"/>
           <p:cNvSpPr/>
           <p:nvPr/>
         </p:nvSpPr>
         <p:spPr>
           <a:xfrm>
             <a:off x="504000" y="226080"/>
-            <a:ext cx="9071280" cy="946080"/>
+            <a:ext cx="9070920" cy="945720"/>
           </a:xfrm>
           <a:prstGeom prst="rect">
             <a:avLst/>
@@ -6960,9 +8132,33 @@
             </a:pPr>
             <a:r>
               <a:rPr b="1" lang="zh-CN" sz="4400" spc="-1" strike="noStrike">
-                <a:latin typeface="Arial"/>
-              </a:rPr>
-              <a:t>未来计划</a:t>
+                <a:solidFill>
+                  <a:srgbClr val="000000"/>
+                </a:solidFill>
+                <a:latin typeface="Arial"/>
+                <a:ea typeface="DejaVu Sans"/>
+              </a:rPr>
+              <a:t>实验结果</a:t>
+            </a:r>
+            <a:r>
+              <a:rPr b="1" lang="en-US" sz="4400" spc="-1" strike="noStrike">
+                <a:solidFill>
+                  <a:srgbClr val="000000"/>
+                </a:solidFill>
+                <a:latin typeface="Arial"/>
+                <a:ea typeface="DejaVu Sans"/>
+              </a:rPr>
+              <a:t> </a:t>
+            </a:r>
+            <a:r>
+              <a:rPr b="1" lang="en-US" sz="4400" spc="-1" strike="noStrike">
+                <a:solidFill>
+                  <a:srgbClr val="000000"/>
+                </a:solidFill>
+                <a:latin typeface="Arial"/>
+                <a:ea typeface="DejaVu Sans"/>
+              </a:rPr>
+              <a:t>- LogParserX</a:t>
             </a:r>
             <a:endParaRPr b="0" lang="en-US" sz="4400" spc="-1" strike="noStrike">
               <a:latin typeface="Arial"/>
@@ -6970,112 +8166,53 @@
           </a:p>
         </p:txBody>
       </p:sp>
-      <p:sp>
-        <p:nvSpPr>
-          <p:cNvPr id="138" name="CustomShape 2"/>
-          <p:cNvSpPr/>
+      <p:pic>
+        <p:nvPicPr>
+          <p:cNvPr id="139" name="图片 132" descr=""/>
+          <p:cNvPicPr/>
           <p:nvPr/>
-        </p:nvSpPr>
-        <p:spPr>
-          <a:xfrm>
-            <a:off x="621000" y="1649520"/>
-            <a:ext cx="9071280" cy="3287880"/>
-          </a:xfrm>
-          <a:prstGeom prst="rect">
-            <a:avLst/>
-          </a:prstGeom>
-          <a:noFill/>
+        </p:nvPicPr>
+        <p:blipFill>
+          <a:blip r:embed="rId1"/>
+          <a:stretch/>
+        </p:blipFill>
+        <p:spPr>
+          <a:xfrm>
+            <a:off x="1558080" y="2560320"/>
+            <a:ext cx="6396840" cy="2742840"/>
+          </a:xfrm>
+          <a:prstGeom prst="rect">
+            <a:avLst/>
+          </a:prstGeom>
           <a:ln>
             <a:noFill/>
           </a:ln>
         </p:spPr>
-        <p:style>
-          <a:lnRef idx="0"/>
-          <a:fillRef idx="0"/>
-          <a:effectRef idx="0"/>
-          <a:fontRef idx="minor"/>
-        </p:style>
-        <p:txBody>
-          <a:bodyPr lIns="0" rIns="0" tIns="0" bIns="0">
-            <a:normAutofit/>
-          </a:bodyPr>
-          <a:p>
-            <a:pPr marL="432000" indent="-323640">
-              <a:lnSpc>
-                <a:spcPct val="100000"/>
-              </a:lnSpc>
-              <a:spcBef>
-                <a:spcPts val="1417"/>
-              </a:spcBef>
-              <a:buClr>
-                <a:srgbClr val="000000"/>
-              </a:buClr>
-              <a:buSzPct val="45000"/>
-              <a:buFont typeface="Wingdings" charset="2"/>
-              <a:buChar char=""/>
-            </a:pPr>
-            <a:r>
-              <a:rPr b="0" lang="zh-CN" sz="3200" spc="-1" strike="noStrike">
-                <a:latin typeface="Arial"/>
-              </a:rPr>
-              <a:t>优化智能体学习的框架结构</a:t>
-            </a:r>
-            <a:endParaRPr b="0" lang="en-US" sz="3200" spc="-1" strike="noStrike">
-              <a:latin typeface="Arial"/>
-            </a:endParaRPr>
-          </a:p>
-          <a:p>
-            <a:pPr marL="432000" indent="-323640">
-              <a:lnSpc>
-                <a:spcPct val="100000"/>
-              </a:lnSpc>
-              <a:spcBef>
-                <a:spcPts val="1417"/>
-              </a:spcBef>
-              <a:buClr>
-                <a:srgbClr val="000000"/>
-              </a:buClr>
-              <a:buSzPct val="45000"/>
-              <a:buFont typeface="Wingdings" charset="2"/>
-              <a:buChar char=""/>
-            </a:pPr>
-            <a:r>
-              <a:rPr b="0" lang="zh-CN" sz="3200" spc="-1" strike="noStrike">
-                <a:latin typeface="Arial"/>
-              </a:rPr>
-              <a:t>测试不同参数下智能体表现</a:t>
-            </a:r>
-            <a:endParaRPr b="0" lang="en-US" sz="3200" spc="-1" strike="noStrike">
-              <a:latin typeface="Arial"/>
-            </a:endParaRPr>
-          </a:p>
-          <a:p>
-            <a:pPr marL="432000" indent="-323640">
-              <a:lnSpc>
-                <a:spcPct val="100000"/>
-              </a:lnSpc>
-              <a:spcBef>
-                <a:spcPts val="1417"/>
-              </a:spcBef>
-              <a:buClr>
-                <a:srgbClr val="000000"/>
-              </a:buClr>
-              <a:buSzPct val="45000"/>
-              <a:buFont typeface="Wingdings" charset="2"/>
-              <a:buChar char=""/>
-            </a:pPr>
-            <a:r>
-              <a:rPr b="0" lang="zh-CN" sz="3200" spc="-1" strike="noStrike">
-                <a:latin typeface="Arial"/>
-              </a:rPr>
-              <a:t>测试数据集的调整</a:t>
-            </a:r>
-            <a:endParaRPr b="0" lang="en-US" sz="3200" spc="-1" strike="noStrike">
-              <a:latin typeface="Arial"/>
-            </a:endParaRPr>
-          </a:p>
-        </p:txBody>
-      </p:sp>
+      </p:pic>
+      <p:pic>
+        <p:nvPicPr>
+          <p:cNvPr id="140" name="图片 133" descr=""/>
+          <p:cNvPicPr/>
+          <p:nvPr/>
+        </p:nvPicPr>
+        <p:blipFill>
+          <a:blip r:embed="rId2"/>
+          <a:srcRect l="0" t="4388" r="0" b="3795"/>
+          <a:stretch/>
+        </p:blipFill>
+        <p:spPr>
+          <a:xfrm>
+            <a:off x="1645920" y="1172160"/>
+            <a:ext cx="6199560" cy="1156680"/>
+          </a:xfrm>
+          <a:prstGeom prst="rect">
+            <a:avLst/>
+          </a:prstGeom>
+          <a:ln>
+            <a:noFill/>
+          </a:ln>
+        </p:spPr>
+      </p:pic>
     </p:spTree>
   </p:cSld>
   <mc:AlternateContent>
